--- a/slides-steve/Chapter 09.pptx
+++ b/slides-steve/Chapter 09.pptx
@@ -5,10 +5,10 @@
     <p:sldMasterId id="2147483660" r:id="rId1"/>
   </p:sldMasterIdLst>
   <p:notesMasterIdLst>
-    <p:notesMasterId r:id="rId25"/>
+    <p:notesMasterId r:id="rId30"/>
   </p:notesMasterIdLst>
   <p:handoutMasterIdLst>
-    <p:handoutMasterId r:id="rId26"/>
+    <p:handoutMasterId r:id="rId31"/>
   </p:handoutMasterIdLst>
   <p:sldIdLst>
     <p:sldId id="256" r:id="rId2"/>
@@ -22,18 +22,23 @@
     <p:sldId id="264" r:id="rId10"/>
     <p:sldId id="265" r:id="rId11"/>
     <p:sldId id="266" r:id="rId12"/>
-    <p:sldId id="267" r:id="rId13"/>
-    <p:sldId id="268" r:id="rId14"/>
-    <p:sldId id="269" r:id="rId15"/>
-    <p:sldId id="270" r:id="rId16"/>
-    <p:sldId id="271" r:id="rId17"/>
-    <p:sldId id="272" r:id="rId18"/>
-    <p:sldId id="273" r:id="rId19"/>
-    <p:sldId id="274" r:id="rId20"/>
-    <p:sldId id="275" r:id="rId21"/>
-    <p:sldId id="276" r:id="rId22"/>
-    <p:sldId id="277" r:id="rId23"/>
-    <p:sldId id="278" r:id="rId24"/>
+    <p:sldId id="279" r:id="rId13"/>
+    <p:sldId id="280" r:id="rId14"/>
+    <p:sldId id="281" r:id="rId15"/>
+    <p:sldId id="282" r:id="rId16"/>
+    <p:sldId id="283" r:id="rId17"/>
+    <p:sldId id="267" r:id="rId18"/>
+    <p:sldId id="268" r:id="rId19"/>
+    <p:sldId id="269" r:id="rId20"/>
+    <p:sldId id="270" r:id="rId21"/>
+    <p:sldId id="271" r:id="rId22"/>
+    <p:sldId id="272" r:id="rId23"/>
+    <p:sldId id="273" r:id="rId24"/>
+    <p:sldId id="274" r:id="rId25"/>
+    <p:sldId id="275" r:id="rId26"/>
+    <p:sldId id="276" r:id="rId27"/>
+    <p:sldId id="277" r:id="rId28"/>
+    <p:sldId id="278" r:id="rId29"/>
   </p:sldIdLst>
   <p:sldSz cx="9144000" cy="6858000" type="screen4x3"/>
   <p:notesSz cx="6858000" cy="9144000"/>
@@ -132,6 +137,22 @@
       </a:defRPr>
     </a:lvl9pPr>
   </p:defaultTextStyle>
+  <p:extLst>
+    <p:ext uri="{EFAFB233-063F-42B5-8137-9DF3F51BA10A}">
+      <p15:sldGuideLst xmlns:p15="http://schemas.microsoft.com/office/powerpoint/2012/main">
+        <p15:guide id="1" orient="horz" pos="2160">
+          <p15:clr>
+            <a:srgbClr val="A4A3A4"/>
+          </p15:clr>
+        </p15:guide>
+        <p15:guide id="2" pos="2880">
+          <p15:clr>
+            <a:srgbClr val="A4A3A4"/>
+          </p15:clr>
+        </p15:guide>
+      </p15:sldGuideLst>
+    </p:ext>
+  </p:extLst>
 </p:presentation>
 </file>
 
@@ -217,7 +238,7 @@
           <a:p>
             <a:fld id="{B1BDDB0A-12FC-9A42-842D-3547E355B3A8}" type="datetimeFigureOut">
               <a:rPr lang="en-US" smtClean="0"/>
-              <a:t>10/6/15</a:t>
+              <a:t>9/29/16</a:t>
             </a:fld>
             <a:endParaRPr lang="en-US"/>
           </a:p>
@@ -383,7 +404,7 @@
           <a:p>
             <a:fld id="{77D3AFCC-CB1B-2940-9C75-34E17455A398}" type="datetimeFigureOut">
               <a:rPr lang="en-US" smtClean="0"/>
-              <a:t>10/6/15</a:t>
+              <a:t>9/29/16</a:t>
             </a:fld>
             <a:endParaRPr lang="en-US"/>
           </a:p>
@@ -1031,7 +1052,7 @@
           <a:p>
             <a:fld id="{3E4D37E8-37DD-E34F-82FD-FC46296BE8B0}" type="datetime1">
               <a:rPr lang="en-US" smtClean="0"/>
-              <a:t>10/6/15</a:t>
+              <a:t>9/29/16</a:t>
             </a:fld>
             <a:endParaRPr lang="en-US"/>
           </a:p>
@@ -1323,7 +1344,7 @@
           <a:p>
             <a:fld id="{25B44C54-4950-F540-BCF8-BB0412F010FE}" type="datetime1">
               <a:rPr lang="en-US" smtClean="0"/>
-              <a:t>10/6/15</a:t>
+              <a:t>9/29/16</a:t>
             </a:fld>
             <a:endParaRPr lang="en-US"/>
           </a:p>
@@ -1445,7 +1466,7 @@
           <a:p>
             <a:fld id="{7C8F0B00-7EE7-854F-A6DD-64DEA61318AC}" type="datetime1">
               <a:rPr lang="en-US" smtClean="0"/>
-              <a:t>10/6/15</a:t>
+              <a:t>9/29/16</a:t>
             </a:fld>
             <a:endParaRPr lang="en-US"/>
           </a:p>
@@ -1544,7 +1565,7 @@
           <a:p>
             <a:fld id="{51BEAEDF-A397-A74B-AA5C-11179190D916}" type="datetime1">
               <a:rPr lang="en-US" smtClean="0"/>
-              <a:t>10/6/15</a:t>
+              <a:t>9/29/16</a:t>
             </a:fld>
             <a:endParaRPr lang="en-US"/>
           </a:p>
@@ -1790,7 +1811,7 @@
           <a:p>
             <a:fld id="{BDB49FFF-01C3-0C44-8427-1A4EA6AADC4E}" type="datetime1">
               <a:rPr lang="en-US" smtClean="0"/>
-              <a:t>10/6/15</a:t>
+              <a:t>9/29/16</a:t>
             </a:fld>
             <a:endParaRPr lang="en-US"/>
           </a:p>
@@ -2036,7 +2057,7 @@
           <a:p>
             <a:fld id="{E70583A7-60E2-6543-AE3F-1FEA7AA8F86B}" type="datetime1">
               <a:rPr lang="en-US" smtClean="0"/>
-              <a:t>10/6/15</a:t>
+              <a:t>9/29/16</a:t>
             </a:fld>
             <a:endParaRPr lang="en-US"/>
           </a:p>
@@ -2482,7 +2503,7 @@
   <p:timing>
     <p:tnLst>
       <p:par>
-        <p:cTn xmlns:p14="http://schemas.microsoft.com/office/powerpoint/2010/main" id="1" dur="indefinite" restart="never" nodeType="tmRoot"/>
+        <p:cTn id="1" dur="indefinite" restart="never" nodeType="tmRoot"/>
       </p:par>
     </p:tnLst>
   </p:timing>
@@ -2571,7 +2592,7 @@
           <a:p>
             <a:fld id="{FB7A6D33-CB7B-6646-AF1E-FC208252E161}" type="datetime1">
               <a:rPr lang="en-US" smtClean="0"/>
-              <a:t>10/6/15</a:t>
+              <a:t>9/29/16</a:t>
             </a:fld>
             <a:endParaRPr lang="en-US"/>
           </a:p>
@@ -2648,7 +2669,7 @@
   <p:timing>
     <p:tnLst>
       <p:par>
-        <p:cTn xmlns:p14="http://schemas.microsoft.com/office/powerpoint/2010/main" id="1" dur="indefinite" restart="never" nodeType="tmRoot"/>
+        <p:cTn id="1" dur="indefinite" restart="never" nodeType="tmRoot"/>
       </p:par>
     </p:tnLst>
   </p:timing>
@@ -2778,7 +2799,7 @@
           <a:p>
             <a:fld id="{E86B7263-FD73-7844-B290-CA8639370395}" type="datetime1">
               <a:rPr lang="en-US" smtClean="0"/>
-              <a:t>10/6/15</a:t>
+              <a:t>9/29/16</a:t>
             </a:fld>
             <a:endParaRPr lang="en-US"/>
           </a:p>
@@ -2855,7 +2876,7 @@
   <p:timing>
     <p:tnLst>
       <p:par>
-        <p:cTn xmlns:p14="http://schemas.microsoft.com/office/powerpoint/2010/main" id="1" dur="indefinite" restart="never" nodeType="tmRoot"/>
+        <p:cTn id="1" dur="indefinite" restart="never" nodeType="tmRoot"/>
       </p:par>
     </p:tnLst>
   </p:timing>
@@ -2896,6 +2917,765 @@
           <a:p>
             <a:r>
               <a:rPr lang="en-US" dirty="0" smtClean="0"/>
+              <a:t>Network Stack: OSI Model</a:t>
+            </a:r>
+            <a:endParaRPr lang="en-US" dirty="0"/>
+          </a:p>
+        </p:txBody>
+      </p:sp>
+      <p:pic>
+        <p:nvPicPr>
+          <p:cNvPr id="7" name="Content Placeholder 6"/>
+          <p:cNvPicPr>
+            <a:picLocks noGrp="1" noChangeAspect="1"/>
+          </p:cNvPicPr>
+          <p:nvPr>
+            <p:ph idx="1"/>
+          </p:nvPr>
+        </p:nvPicPr>
+        <p:blipFill>
+          <a:blip r:embed="rId2">
+            <a:extLst>
+              <a:ext uri="{28A0092B-C50C-407E-A947-70E740481C1C}">
+                <a14:useLocalDpi xmlns:a14="http://schemas.microsoft.com/office/drawing/2010/main" val="0"/>
+              </a:ext>
+            </a:extLst>
+          </a:blip>
+          <a:stretch>
+            <a:fillRect/>
+          </a:stretch>
+        </p:blipFill>
+        <p:spPr>
+          <a:xfrm>
+            <a:off x="1642574" y="1332178"/>
+            <a:ext cx="5858851" cy="4525963"/>
+          </a:xfrm>
+        </p:spPr>
+      </p:pic>
+      <p:sp>
+        <p:nvSpPr>
+          <p:cNvPr id="4" name="Date Placeholder 3"/>
+          <p:cNvSpPr>
+            <a:spLocks noGrp="1"/>
+          </p:cNvSpPr>
+          <p:nvPr>
+            <p:ph type="dt" sz="half" idx="10"/>
+          </p:nvPr>
+        </p:nvSpPr>
+        <p:spPr/>
+        <p:txBody>
+          <a:bodyPr/>
+          <a:lstStyle/>
+          <a:p>
+            <a:fld id="{3E4D37E8-37DD-E34F-82FD-FC46296BE8B0}" type="datetime1">
+              <a:rPr lang="en-US" smtClean="0"/>
+              <a:t>9/29/16</a:t>
+            </a:fld>
+            <a:endParaRPr lang="en-US"/>
+          </a:p>
+        </p:txBody>
+      </p:sp>
+      <p:sp>
+        <p:nvSpPr>
+          <p:cNvPr id="5" name="Footer Placeholder 4"/>
+          <p:cNvSpPr>
+            <a:spLocks noGrp="1"/>
+          </p:cNvSpPr>
+          <p:nvPr>
+            <p:ph type="ftr" sz="quarter" idx="11"/>
+          </p:nvPr>
+        </p:nvSpPr>
+        <p:spPr/>
+        <p:txBody>
+          <a:bodyPr/>
+          <a:lstStyle/>
+          <a:p>
+            <a:r>
+              <a:rPr lang="en-US" smtClean="0"/>
+              <a:t>© Steve Beaty and others</a:t>
+            </a:r>
+            <a:endParaRPr lang="en-US"/>
+          </a:p>
+        </p:txBody>
+      </p:sp>
+      <p:sp>
+        <p:nvSpPr>
+          <p:cNvPr id="6" name="Slide Number Placeholder 5"/>
+          <p:cNvSpPr>
+            <a:spLocks noGrp="1"/>
+          </p:cNvSpPr>
+          <p:nvPr>
+            <p:ph type="sldNum" sz="quarter" idx="12"/>
+          </p:nvPr>
+        </p:nvSpPr>
+        <p:spPr/>
+        <p:txBody>
+          <a:bodyPr/>
+          <a:lstStyle/>
+          <a:p>
+            <a:fld id="{F4729258-8328-224B-AED6-367F07660446}" type="slidenum">
+              <a:rPr lang="en-US" smtClean="0"/>
+              <a:t>12</a:t>
+            </a:fld>
+            <a:endParaRPr lang="en-US"/>
+          </a:p>
+        </p:txBody>
+      </p:sp>
+    </p:spTree>
+    <p:extLst>
+      <p:ext uri="{BB962C8B-B14F-4D97-AF65-F5344CB8AC3E}">
+        <p14:creationId xmlns:p14="http://schemas.microsoft.com/office/powerpoint/2010/main" val="1846968175"/>
+      </p:ext>
+    </p:extLst>
+  </p:cSld>
+  <p:clrMapOvr>
+    <a:masterClrMapping/>
+  </p:clrMapOvr>
+</p:sld>
+</file>
+
+<file path=ppt/slides/slide13.xml><?xml version="1.0" encoding="utf-8"?>
+<p:sld xmlns:a="http://schemas.openxmlformats.org/drawingml/2006/main" xmlns:r="http://schemas.openxmlformats.org/officeDocument/2006/relationships" xmlns:p="http://schemas.openxmlformats.org/presentationml/2006/main">
+  <p:cSld>
+    <p:spTree>
+      <p:nvGrpSpPr>
+        <p:cNvPr id="1" name=""/>
+        <p:cNvGrpSpPr/>
+        <p:nvPr/>
+      </p:nvGrpSpPr>
+      <p:grpSpPr>
+        <a:xfrm>
+          <a:off x="0" y="0"/>
+          <a:ext cx="0" cy="0"/>
+          <a:chOff x="0" y="0"/>
+          <a:chExt cx="0" cy="0"/>
+        </a:xfrm>
+      </p:grpSpPr>
+      <p:sp>
+        <p:nvSpPr>
+          <p:cNvPr id="2" name="Title 1"/>
+          <p:cNvSpPr>
+            <a:spLocks noGrp="1"/>
+          </p:cNvSpPr>
+          <p:nvPr>
+            <p:ph type="title"/>
+          </p:nvPr>
+        </p:nvSpPr>
+        <p:spPr/>
+        <p:txBody>
+          <a:bodyPr/>
+          <a:lstStyle/>
+          <a:p>
+            <a:r>
+              <a:rPr lang="en-US" dirty="0" smtClean="0"/>
+              <a:t>Network Stack: Protocols</a:t>
+            </a:r>
+            <a:endParaRPr lang="en-US" dirty="0"/>
+          </a:p>
+        </p:txBody>
+      </p:sp>
+      <p:pic>
+        <p:nvPicPr>
+          <p:cNvPr id="7" name="Content Placeholder 6"/>
+          <p:cNvPicPr>
+            <a:picLocks noGrp="1" noChangeAspect="1"/>
+          </p:cNvPicPr>
+          <p:nvPr>
+            <p:ph idx="1"/>
+          </p:nvPr>
+        </p:nvPicPr>
+        <p:blipFill>
+          <a:blip r:embed="rId2">
+            <a:extLst>
+              <a:ext uri="{28A0092B-C50C-407E-A947-70E740481C1C}">
+                <a14:useLocalDpi xmlns:a14="http://schemas.microsoft.com/office/drawing/2010/main" val="0"/>
+              </a:ext>
+            </a:extLst>
+          </a:blip>
+          <a:stretch>
+            <a:fillRect/>
+          </a:stretch>
+        </p:blipFill>
+        <p:spPr>
+          <a:xfrm>
+            <a:off x="1954776" y="1411008"/>
+            <a:ext cx="5234447" cy="4525963"/>
+          </a:xfrm>
+        </p:spPr>
+      </p:pic>
+      <p:sp>
+        <p:nvSpPr>
+          <p:cNvPr id="4" name="Date Placeholder 3"/>
+          <p:cNvSpPr>
+            <a:spLocks noGrp="1"/>
+          </p:cNvSpPr>
+          <p:nvPr>
+            <p:ph type="dt" sz="half" idx="10"/>
+          </p:nvPr>
+        </p:nvSpPr>
+        <p:spPr/>
+        <p:txBody>
+          <a:bodyPr/>
+          <a:lstStyle/>
+          <a:p>
+            <a:fld id="{3E4D37E8-37DD-E34F-82FD-FC46296BE8B0}" type="datetime1">
+              <a:rPr lang="en-US" smtClean="0"/>
+              <a:t>9/29/16</a:t>
+            </a:fld>
+            <a:endParaRPr lang="en-US"/>
+          </a:p>
+        </p:txBody>
+      </p:sp>
+      <p:sp>
+        <p:nvSpPr>
+          <p:cNvPr id="5" name="Footer Placeholder 4"/>
+          <p:cNvSpPr>
+            <a:spLocks noGrp="1"/>
+          </p:cNvSpPr>
+          <p:nvPr>
+            <p:ph type="ftr" sz="quarter" idx="11"/>
+          </p:nvPr>
+        </p:nvSpPr>
+        <p:spPr/>
+        <p:txBody>
+          <a:bodyPr/>
+          <a:lstStyle/>
+          <a:p>
+            <a:r>
+              <a:rPr lang="en-US" smtClean="0"/>
+              <a:t>© Steve Beaty and others</a:t>
+            </a:r>
+            <a:endParaRPr lang="en-US"/>
+          </a:p>
+        </p:txBody>
+      </p:sp>
+      <p:sp>
+        <p:nvSpPr>
+          <p:cNvPr id="6" name="Slide Number Placeholder 5"/>
+          <p:cNvSpPr>
+            <a:spLocks noGrp="1"/>
+          </p:cNvSpPr>
+          <p:nvPr>
+            <p:ph type="sldNum" sz="quarter" idx="12"/>
+          </p:nvPr>
+        </p:nvSpPr>
+        <p:spPr/>
+        <p:txBody>
+          <a:bodyPr/>
+          <a:lstStyle/>
+          <a:p>
+            <a:fld id="{F4729258-8328-224B-AED6-367F07660446}" type="slidenum">
+              <a:rPr lang="en-US" smtClean="0"/>
+              <a:t>13</a:t>
+            </a:fld>
+            <a:endParaRPr lang="en-US"/>
+          </a:p>
+        </p:txBody>
+      </p:sp>
+    </p:spTree>
+    <p:extLst>
+      <p:ext uri="{BB962C8B-B14F-4D97-AF65-F5344CB8AC3E}">
+        <p14:creationId xmlns:p14="http://schemas.microsoft.com/office/powerpoint/2010/main" val="216696024"/>
+      </p:ext>
+    </p:extLst>
+  </p:cSld>
+  <p:clrMapOvr>
+    <a:masterClrMapping/>
+  </p:clrMapOvr>
+</p:sld>
+</file>
+
+<file path=ppt/slides/slide14.xml><?xml version="1.0" encoding="utf-8"?>
+<p:sld xmlns:a="http://schemas.openxmlformats.org/drawingml/2006/main" xmlns:r="http://schemas.openxmlformats.org/officeDocument/2006/relationships" xmlns:p="http://schemas.openxmlformats.org/presentationml/2006/main">
+  <p:cSld>
+    <p:spTree>
+      <p:nvGrpSpPr>
+        <p:cNvPr id="1" name=""/>
+        <p:cNvGrpSpPr/>
+        <p:nvPr/>
+      </p:nvGrpSpPr>
+      <p:grpSpPr>
+        <a:xfrm>
+          <a:off x="0" y="0"/>
+          <a:ext cx="0" cy="0"/>
+          <a:chOff x="0" y="0"/>
+          <a:chExt cx="0" cy="0"/>
+        </a:xfrm>
+      </p:grpSpPr>
+      <p:sp>
+        <p:nvSpPr>
+          <p:cNvPr id="2" name="Title 1"/>
+          <p:cNvSpPr>
+            <a:spLocks noGrp="1"/>
+          </p:cNvSpPr>
+          <p:nvPr>
+            <p:ph type="title"/>
+          </p:nvPr>
+        </p:nvSpPr>
+        <p:spPr/>
+        <p:txBody>
+          <a:bodyPr/>
+          <a:lstStyle/>
+          <a:p>
+            <a:r>
+              <a:rPr lang="en-US" dirty="0" smtClean="0"/>
+              <a:t>Network Stack: Peering Layers</a:t>
+            </a:r>
+            <a:endParaRPr lang="en-US" dirty="0"/>
+          </a:p>
+        </p:txBody>
+      </p:sp>
+      <p:pic>
+        <p:nvPicPr>
+          <p:cNvPr id="7" name="Content Placeholder 6"/>
+          <p:cNvPicPr>
+            <a:picLocks noGrp="1" noChangeAspect="1"/>
+          </p:cNvPicPr>
+          <p:nvPr>
+            <p:ph idx="1"/>
+          </p:nvPr>
+        </p:nvPicPr>
+        <p:blipFill>
+          <a:blip r:embed="rId2">
+            <a:extLst>
+              <a:ext uri="{28A0092B-C50C-407E-A947-70E740481C1C}">
+                <a14:useLocalDpi xmlns:a14="http://schemas.microsoft.com/office/drawing/2010/main" val="0"/>
+              </a:ext>
+            </a:extLst>
+          </a:blip>
+          <a:stretch>
+            <a:fillRect/>
+          </a:stretch>
+        </p:blipFill>
+        <p:spPr>
+          <a:xfrm>
+            <a:off x="1428750" y="1621631"/>
+            <a:ext cx="6286500" cy="4483100"/>
+          </a:xfrm>
+        </p:spPr>
+      </p:pic>
+      <p:sp>
+        <p:nvSpPr>
+          <p:cNvPr id="4" name="Date Placeholder 3"/>
+          <p:cNvSpPr>
+            <a:spLocks noGrp="1"/>
+          </p:cNvSpPr>
+          <p:nvPr>
+            <p:ph type="dt" sz="half" idx="10"/>
+          </p:nvPr>
+        </p:nvSpPr>
+        <p:spPr/>
+        <p:txBody>
+          <a:bodyPr/>
+          <a:lstStyle/>
+          <a:p>
+            <a:fld id="{3E4D37E8-37DD-E34F-82FD-FC46296BE8B0}" type="datetime1">
+              <a:rPr lang="en-US" smtClean="0"/>
+              <a:t>9/29/16</a:t>
+            </a:fld>
+            <a:endParaRPr lang="en-US"/>
+          </a:p>
+        </p:txBody>
+      </p:sp>
+      <p:sp>
+        <p:nvSpPr>
+          <p:cNvPr id="5" name="Footer Placeholder 4"/>
+          <p:cNvSpPr>
+            <a:spLocks noGrp="1"/>
+          </p:cNvSpPr>
+          <p:nvPr>
+            <p:ph type="ftr" sz="quarter" idx="11"/>
+          </p:nvPr>
+        </p:nvSpPr>
+        <p:spPr/>
+        <p:txBody>
+          <a:bodyPr/>
+          <a:lstStyle/>
+          <a:p>
+            <a:r>
+              <a:rPr lang="en-US" smtClean="0"/>
+              <a:t>© Steve Beaty and others</a:t>
+            </a:r>
+            <a:endParaRPr lang="en-US"/>
+          </a:p>
+        </p:txBody>
+      </p:sp>
+      <p:sp>
+        <p:nvSpPr>
+          <p:cNvPr id="6" name="Slide Number Placeholder 5"/>
+          <p:cNvSpPr>
+            <a:spLocks noGrp="1"/>
+          </p:cNvSpPr>
+          <p:nvPr>
+            <p:ph type="sldNum" sz="quarter" idx="12"/>
+          </p:nvPr>
+        </p:nvSpPr>
+        <p:spPr/>
+        <p:txBody>
+          <a:bodyPr/>
+          <a:lstStyle/>
+          <a:p>
+            <a:fld id="{F4729258-8328-224B-AED6-367F07660446}" type="slidenum">
+              <a:rPr lang="en-US" smtClean="0"/>
+              <a:t>14</a:t>
+            </a:fld>
+            <a:endParaRPr lang="en-US"/>
+          </a:p>
+        </p:txBody>
+      </p:sp>
+    </p:spTree>
+    <p:extLst>
+      <p:ext uri="{BB962C8B-B14F-4D97-AF65-F5344CB8AC3E}">
+        <p14:creationId xmlns:p14="http://schemas.microsoft.com/office/powerpoint/2010/main" val="1878749233"/>
+      </p:ext>
+    </p:extLst>
+  </p:cSld>
+  <p:clrMapOvr>
+    <a:masterClrMapping/>
+  </p:clrMapOvr>
+</p:sld>
+</file>
+
+<file path=ppt/slides/slide15.xml><?xml version="1.0" encoding="utf-8"?>
+<p:sld xmlns:a="http://schemas.openxmlformats.org/drawingml/2006/main" xmlns:r="http://schemas.openxmlformats.org/officeDocument/2006/relationships" xmlns:p="http://schemas.openxmlformats.org/presentationml/2006/main">
+  <p:cSld>
+    <p:spTree>
+      <p:nvGrpSpPr>
+        <p:cNvPr id="1" name=""/>
+        <p:cNvGrpSpPr/>
+        <p:nvPr/>
+      </p:nvGrpSpPr>
+      <p:grpSpPr>
+        <a:xfrm>
+          <a:off x="0" y="0"/>
+          <a:ext cx="0" cy="0"/>
+          <a:chOff x="0" y="0"/>
+          <a:chExt cx="0" cy="0"/>
+        </a:xfrm>
+      </p:grpSpPr>
+      <p:sp>
+        <p:nvSpPr>
+          <p:cNvPr id="2" name="Title 1"/>
+          <p:cNvSpPr>
+            <a:spLocks noGrp="1"/>
+          </p:cNvSpPr>
+          <p:nvPr>
+            <p:ph type="title"/>
+          </p:nvPr>
+        </p:nvSpPr>
+        <p:spPr/>
+        <p:txBody>
+          <a:bodyPr/>
+          <a:lstStyle/>
+          <a:p>
+            <a:r>
+              <a:rPr lang="en-US" dirty="0" smtClean="0"/>
+              <a:t>Network Stack: Headers &amp; </a:t>
+            </a:r>
+            <a:r>
+              <a:rPr lang="en-US" dirty="0" err="1" smtClean="0"/>
+              <a:t>Chksum</a:t>
+            </a:r>
+            <a:endParaRPr lang="en-US" dirty="0"/>
+          </a:p>
+        </p:txBody>
+      </p:sp>
+      <p:pic>
+        <p:nvPicPr>
+          <p:cNvPr id="7" name="Content Placeholder 6"/>
+          <p:cNvPicPr>
+            <a:picLocks noGrp="1" noChangeAspect="1"/>
+          </p:cNvPicPr>
+          <p:nvPr>
+            <p:ph idx="1"/>
+          </p:nvPr>
+        </p:nvPicPr>
+        <p:blipFill>
+          <a:blip r:embed="rId2">
+            <a:extLst>
+              <a:ext uri="{28A0092B-C50C-407E-A947-70E740481C1C}">
+                <a14:useLocalDpi xmlns:a14="http://schemas.microsoft.com/office/drawing/2010/main" val="0"/>
+              </a:ext>
+            </a:extLst>
+          </a:blip>
+          <a:stretch>
+            <a:fillRect/>
+          </a:stretch>
+        </p:blipFill>
+        <p:spPr>
+          <a:xfrm>
+            <a:off x="1189629" y="1458306"/>
+            <a:ext cx="6764741" cy="4525963"/>
+          </a:xfrm>
+        </p:spPr>
+      </p:pic>
+      <p:sp>
+        <p:nvSpPr>
+          <p:cNvPr id="4" name="Date Placeholder 3"/>
+          <p:cNvSpPr>
+            <a:spLocks noGrp="1"/>
+          </p:cNvSpPr>
+          <p:nvPr>
+            <p:ph type="dt" sz="half" idx="10"/>
+          </p:nvPr>
+        </p:nvSpPr>
+        <p:spPr/>
+        <p:txBody>
+          <a:bodyPr/>
+          <a:lstStyle/>
+          <a:p>
+            <a:fld id="{3E4D37E8-37DD-E34F-82FD-FC46296BE8B0}" type="datetime1">
+              <a:rPr lang="en-US" smtClean="0"/>
+              <a:t>9/29/16</a:t>
+            </a:fld>
+            <a:endParaRPr lang="en-US"/>
+          </a:p>
+        </p:txBody>
+      </p:sp>
+      <p:sp>
+        <p:nvSpPr>
+          <p:cNvPr id="5" name="Footer Placeholder 4"/>
+          <p:cNvSpPr>
+            <a:spLocks noGrp="1"/>
+          </p:cNvSpPr>
+          <p:nvPr>
+            <p:ph type="ftr" sz="quarter" idx="11"/>
+          </p:nvPr>
+        </p:nvSpPr>
+        <p:spPr/>
+        <p:txBody>
+          <a:bodyPr/>
+          <a:lstStyle/>
+          <a:p>
+            <a:r>
+              <a:rPr lang="en-US" smtClean="0"/>
+              <a:t>© Steve Beaty and others</a:t>
+            </a:r>
+            <a:endParaRPr lang="en-US"/>
+          </a:p>
+        </p:txBody>
+      </p:sp>
+      <p:sp>
+        <p:nvSpPr>
+          <p:cNvPr id="6" name="Slide Number Placeholder 5"/>
+          <p:cNvSpPr>
+            <a:spLocks noGrp="1"/>
+          </p:cNvSpPr>
+          <p:nvPr>
+            <p:ph type="sldNum" sz="quarter" idx="12"/>
+          </p:nvPr>
+        </p:nvSpPr>
+        <p:spPr/>
+        <p:txBody>
+          <a:bodyPr/>
+          <a:lstStyle/>
+          <a:p>
+            <a:fld id="{F4729258-8328-224B-AED6-367F07660446}" type="slidenum">
+              <a:rPr lang="en-US" smtClean="0"/>
+              <a:t>15</a:t>
+            </a:fld>
+            <a:endParaRPr lang="en-US"/>
+          </a:p>
+        </p:txBody>
+      </p:sp>
+    </p:spTree>
+    <p:extLst>
+      <p:ext uri="{BB962C8B-B14F-4D97-AF65-F5344CB8AC3E}">
+        <p14:creationId xmlns:p14="http://schemas.microsoft.com/office/powerpoint/2010/main" val="176697660"/>
+      </p:ext>
+    </p:extLst>
+  </p:cSld>
+  <p:clrMapOvr>
+    <a:masterClrMapping/>
+  </p:clrMapOvr>
+</p:sld>
+</file>
+
+<file path=ppt/slides/slide16.xml><?xml version="1.0" encoding="utf-8"?>
+<p:sld xmlns:a="http://schemas.openxmlformats.org/drawingml/2006/main" xmlns:r="http://schemas.openxmlformats.org/officeDocument/2006/relationships" xmlns:p="http://schemas.openxmlformats.org/presentationml/2006/main">
+  <p:cSld>
+    <p:spTree>
+      <p:nvGrpSpPr>
+        <p:cNvPr id="1" name=""/>
+        <p:cNvGrpSpPr/>
+        <p:nvPr/>
+      </p:nvGrpSpPr>
+      <p:grpSpPr>
+        <a:xfrm>
+          <a:off x="0" y="0"/>
+          <a:ext cx="0" cy="0"/>
+          <a:chOff x="0" y="0"/>
+          <a:chExt cx="0" cy="0"/>
+        </a:xfrm>
+      </p:grpSpPr>
+      <p:sp>
+        <p:nvSpPr>
+          <p:cNvPr id="2" name="Title 1"/>
+          <p:cNvSpPr>
+            <a:spLocks noGrp="1"/>
+          </p:cNvSpPr>
+          <p:nvPr>
+            <p:ph type="title"/>
+          </p:nvPr>
+        </p:nvSpPr>
+        <p:spPr/>
+        <p:txBody>
+          <a:bodyPr/>
+          <a:lstStyle/>
+          <a:p>
+            <a:r>
+              <a:rPr lang="en-US" dirty="0" smtClean="0"/>
+              <a:t>Network Stack: The OS View</a:t>
+            </a:r>
+            <a:endParaRPr lang="en-US" dirty="0"/>
+          </a:p>
+        </p:txBody>
+      </p:sp>
+      <p:pic>
+        <p:nvPicPr>
+          <p:cNvPr id="7" name="Content Placeholder 6"/>
+          <p:cNvPicPr>
+            <a:picLocks noGrp="1" noChangeAspect="1"/>
+          </p:cNvPicPr>
+          <p:nvPr>
+            <p:ph idx="1"/>
+          </p:nvPr>
+        </p:nvPicPr>
+        <p:blipFill>
+          <a:blip r:embed="rId2">
+            <a:extLst>
+              <a:ext uri="{28A0092B-C50C-407E-A947-70E740481C1C}">
+                <a14:useLocalDpi xmlns:a14="http://schemas.microsoft.com/office/drawing/2010/main" val="0"/>
+              </a:ext>
+            </a:extLst>
+          </a:blip>
+          <a:stretch>
+            <a:fillRect/>
+          </a:stretch>
+        </p:blipFill>
+        <p:spPr>
+          <a:xfrm>
+            <a:off x="2307343" y="1970690"/>
+            <a:ext cx="4948893" cy="3231930"/>
+          </a:xfrm>
+        </p:spPr>
+      </p:pic>
+      <p:sp>
+        <p:nvSpPr>
+          <p:cNvPr id="4" name="Date Placeholder 3"/>
+          <p:cNvSpPr>
+            <a:spLocks noGrp="1"/>
+          </p:cNvSpPr>
+          <p:nvPr>
+            <p:ph type="dt" sz="half" idx="10"/>
+          </p:nvPr>
+        </p:nvSpPr>
+        <p:spPr/>
+        <p:txBody>
+          <a:bodyPr/>
+          <a:lstStyle/>
+          <a:p>
+            <a:fld id="{3E4D37E8-37DD-E34F-82FD-FC46296BE8B0}" type="datetime1">
+              <a:rPr lang="en-US" smtClean="0"/>
+              <a:t>9/29/16</a:t>
+            </a:fld>
+            <a:endParaRPr lang="en-US"/>
+          </a:p>
+        </p:txBody>
+      </p:sp>
+      <p:sp>
+        <p:nvSpPr>
+          <p:cNvPr id="5" name="Footer Placeholder 4"/>
+          <p:cNvSpPr>
+            <a:spLocks noGrp="1"/>
+          </p:cNvSpPr>
+          <p:nvPr>
+            <p:ph type="ftr" sz="quarter" idx="11"/>
+          </p:nvPr>
+        </p:nvSpPr>
+        <p:spPr/>
+        <p:txBody>
+          <a:bodyPr/>
+          <a:lstStyle/>
+          <a:p>
+            <a:r>
+              <a:rPr lang="en-US" smtClean="0"/>
+              <a:t>© Steve Beaty and others</a:t>
+            </a:r>
+            <a:endParaRPr lang="en-US"/>
+          </a:p>
+        </p:txBody>
+      </p:sp>
+      <p:sp>
+        <p:nvSpPr>
+          <p:cNvPr id="6" name="Slide Number Placeholder 5"/>
+          <p:cNvSpPr>
+            <a:spLocks noGrp="1"/>
+          </p:cNvSpPr>
+          <p:nvPr>
+            <p:ph type="sldNum" sz="quarter" idx="12"/>
+          </p:nvPr>
+        </p:nvSpPr>
+        <p:spPr/>
+        <p:txBody>
+          <a:bodyPr/>
+          <a:lstStyle/>
+          <a:p>
+            <a:fld id="{F4729258-8328-224B-AED6-367F07660446}" type="slidenum">
+              <a:rPr lang="en-US" smtClean="0"/>
+              <a:t>16</a:t>
+            </a:fld>
+            <a:endParaRPr lang="en-US"/>
+          </a:p>
+        </p:txBody>
+      </p:sp>
+    </p:spTree>
+    <p:extLst>
+      <p:ext uri="{BB962C8B-B14F-4D97-AF65-F5344CB8AC3E}">
+        <p14:creationId xmlns:p14="http://schemas.microsoft.com/office/powerpoint/2010/main" val="2044131216"/>
+      </p:ext>
+    </p:extLst>
+  </p:cSld>
+  <p:clrMapOvr>
+    <a:masterClrMapping/>
+  </p:clrMapOvr>
+</p:sld>
+</file>
+
+<file path=ppt/slides/slide17.xml><?xml version="1.0" encoding="utf-8"?>
+<p:sld xmlns:a="http://schemas.openxmlformats.org/drawingml/2006/main" xmlns:r="http://schemas.openxmlformats.org/officeDocument/2006/relationships" xmlns:p="http://schemas.openxmlformats.org/presentationml/2006/main">
+  <p:cSld>
+    <p:spTree>
+      <p:nvGrpSpPr>
+        <p:cNvPr id="1" name=""/>
+        <p:cNvGrpSpPr/>
+        <p:nvPr/>
+      </p:nvGrpSpPr>
+      <p:grpSpPr>
+        <a:xfrm>
+          <a:off x="0" y="0"/>
+          <a:ext cx="0" cy="0"/>
+          <a:chOff x="0" y="0"/>
+          <a:chExt cx="0" cy="0"/>
+        </a:xfrm>
+      </p:grpSpPr>
+      <p:sp>
+        <p:nvSpPr>
+          <p:cNvPr id="2" name="Title 1"/>
+          <p:cNvSpPr>
+            <a:spLocks noGrp="1"/>
+          </p:cNvSpPr>
+          <p:nvPr>
+            <p:ph type="title"/>
+          </p:nvPr>
+        </p:nvSpPr>
+        <p:spPr/>
+        <p:txBody>
+          <a:bodyPr/>
+          <a:lstStyle/>
+          <a:p>
+            <a:r>
+              <a:rPr lang="en-US" dirty="0" smtClean="0"/>
               <a:t>Ethernet</a:t>
             </a:r>
             <a:endParaRPr lang="en-US" dirty="0"/>
@@ -2973,7 +3753,7 @@
           <a:p>
             <a:fld id="{BEA770C3-548F-BD44-B4A9-F71D81DA9C67}" type="datetime1">
               <a:rPr lang="en-US" smtClean="0"/>
-              <a:t>10/6/15</a:t>
+              <a:t>9/29/16</a:t>
             </a:fld>
             <a:endParaRPr lang="en-US"/>
           </a:p>
@@ -3019,7 +3799,7 @@
           <a:p>
             <a:fld id="{F4729258-8328-224B-AED6-367F07660446}" type="slidenum">
               <a:rPr lang="en-US" smtClean="0"/>
-              <a:t>12</a:t>
+              <a:t>17</a:t>
             </a:fld>
             <a:endParaRPr lang="en-US"/>
           </a:p>
@@ -3050,14 +3830,14 @@
   <p:timing>
     <p:tnLst>
       <p:par>
-        <p:cTn xmlns:p14="http://schemas.microsoft.com/office/powerpoint/2010/main" id="1" dur="indefinite" restart="never" nodeType="tmRoot"/>
+        <p:cTn id="1" dur="indefinite" restart="never" nodeType="tmRoot"/>
       </p:par>
     </p:tnLst>
   </p:timing>
 </p:sld>
 </file>
 
-<file path=ppt/slides/slide13.xml><?xml version="1.0" encoding="utf-8"?>
+<file path=ppt/slides/slide18.xml><?xml version="1.0" encoding="utf-8"?>
 <p:sld xmlns:a="http://schemas.openxmlformats.org/drawingml/2006/main" xmlns:r="http://schemas.openxmlformats.org/officeDocument/2006/relationships" xmlns:p="http://schemas.openxmlformats.org/presentationml/2006/main">
   <p:cSld>
     <p:spTree>
@@ -3151,7 +3931,7 @@
           <a:p>
             <a:fld id="{0EDEA4BA-6800-AC44-A40C-AE810D881556}" type="datetime1">
               <a:rPr lang="en-US" smtClean="0"/>
-              <a:t>10/6/15</a:t>
+              <a:t>9/29/16</a:t>
             </a:fld>
             <a:endParaRPr lang="en-US"/>
           </a:p>
@@ -3197,7 +3977,7 @@
           <a:p>
             <a:fld id="{F4729258-8328-224B-AED6-367F07660446}" type="slidenum">
               <a:rPr lang="en-US" smtClean="0"/>
-              <a:t>13</a:t>
+              <a:t>18</a:t>
             </a:fld>
             <a:endParaRPr lang="en-US"/>
           </a:p>
@@ -3228,14 +4008,14 @@
   <p:timing>
     <p:tnLst>
       <p:par>
-        <p:cTn xmlns:p14="http://schemas.microsoft.com/office/powerpoint/2010/main" id="1" dur="indefinite" restart="never" nodeType="tmRoot"/>
+        <p:cTn id="1" dur="indefinite" restart="never" nodeType="tmRoot"/>
       </p:par>
     </p:tnLst>
   </p:timing>
 </p:sld>
 </file>
 
-<file path=ppt/slides/slide14.xml><?xml version="1.0" encoding="utf-8"?>
+<file path=ppt/slides/slide19.xml><?xml version="1.0" encoding="utf-8"?>
 <p:sld xmlns:a="http://schemas.openxmlformats.org/drawingml/2006/main" xmlns:r="http://schemas.openxmlformats.org/officeDocument/2006/relationships" xmlns:p="http://schemas.openxmlformats.org/presentationml/2006/main">
   <p:cSld>
     <p:spTree>
@@ -3334,7 +4114,7 @@
           <a:p>
             <a:fld id="{8DF626D7-1AE0-9149-A8FF-783C1D8FFE71}" type="datetime1">
               <a:rPr lang="en-US" smtClean="0"/>
-              <a:t>10/6/15</a:t>
+              <a:t>9/29/16</a:t>
             </a:fld>
             <a:endParaRPr lang="en-US"/>
           </a:p>
@@ -3380,7 +4160,7 @@
           <a:p>
             <a:fld id="{F4729258-8328-224B-AED6-367F07660446}" type="slidenum">
               <a:rPr lang="en-US" smtClean="0"/>
-              <a:t>14</a:t>
+              <a:t>19</a:t>
             </a:fld>
             <a:endParaRPr lang="en-US"/>
           </a:p>
@@ -3411,14 +4191,14 @@
   <p:timing>
     <p:tnLst>
       <p:par>
-        <p:cTn xmlns:p14="http://schemas.microsoft.com/office/powerpoint/2010/main" id="1" dur="indefinite" restart="never" nodeType="tmRoot"/>
+        <p:cTn id="1" dur="indefinite" restart="never" nodeType="tmRoot"/>
       </p:par>
     </p:tnLst>
   </p:timing>
 </p:sld>
 </file>
 
-<file path=ppt/slides/slide15.xml><?xml version="1.0" encoding="utf-8"?>
+<file path=ppt/slides/slide2.xml><?xml version="1.0" encoding="utf-8"?>
 <p:sld xmlns:a="http://schemas.openxmlformats.org/drawingml/2006/main" xmlns:r="http://schemas.openxmlformats.org/officeDocument/2006/relationships" xmlns:p="http://schemas.openxmlformats.org/presentationml/2006/main">
   <p:cSld>
     <p:spTree>
@@ -3452,6 +4232,211 @@
           <a:p>
             <a:r>
               <a:rPr lang="en-US" dirty="0" smtClean="0"/>
+              <a:t>Wires</a:t>
+            </a:r>
+            <a:endParaRPr lang="en-US" dirty="0"/>
+          </a:p>
+        </p:txBody>
+      </p:sp>
+      <p:sp>
+        <p:nvSpPr>
+          <p:cNvPr id="3" name="Content Placeholder 2"/>
+          <p:cNvSpPr>
+            <a:spLocks noGrp="1"/>
+          </p:cNvSpPr>
+          <p:nvPr>
+            <p:ph idx="1"/>
+          </p:nvPr>
+        </p:nvSpPr>
+        <p:spPr/>
+        <p:txBody>
+          <a:bodyPr/>
+          <a:lstStyle/>
+          <a:p>
+            <a:r>
+              <a:rPr lang="en-US" dirty="0" smtClean="0"/>
+              <a:t>Need at least two wires</a:t>
+            </a:r>
+          </a:p>
+          <a:p>
+            <a:pPr lvl="1"/>
+            <a:r>
+              <a:rPr lang="en-US" dirty="0" smtClean="0"/>
+              <a:t>Electricity must flow</a:t>
+            </a:r>
+          </a:p>
+          <a:p>
+            <a:pPr lvl="1"/>
+            <a:r>
+              <a:rPr lang="en-US" dirty="0" smtClean="0"/>
+              <a:t>Typically insulated</a:t>
+            </a:r>
+          </a:p>
+          <a:p>
+            <a:pPr lvl="1"/>
+            <a:r>
+              <a:rPr lang="en-US" dirty="0" smtClean="0"/>
+              <a:t>Often twisted</a:t>
+            </a:r>
+          </a:p>
+          <a:p>
+            <a:r>
+              <a:rPr lang="en-US" dirty="0" smtClean="0"/>
+              <a:t>Ground</a:t>
+            </a:r>
+          </a:p>
+          <a:p>
+            <a:pPr lvl="1"/>
+            <a:r>
+              <a:rPr lang="en-US" dirty="0" smtClean="0"/>
+              <a:t>Alternate electrical path</a:t>
+            </a:r>
+          </a:p>
+          <a:p>
+            <a:pPr lvl="1"/>
+            <a:r>
+              <a:rPr lang="en-US" dirty="0" smtClean="0"/>
+              <a:t>In case of internal shorts</a:t>
+            </a:r>
+            <a:endParaRPr lang="en-US" dirty="0"/>
+          </a:p>
+        </p:txBody>
+      </p:sp>
+      <p:sp>
+        <p:nvSpPr>
+          <p:cNvPr id="4" name="Date Placeholder 3"/>
+          <p:cNvSpPr>
+            <a:spLocks noGrp="1"/>
+          </p:cNvSpPr>
+          <p:nvPr>
+            <p:ph type="dt" sz="half" idx="10"/>
+          </p:nvPr>
+        </p:nvSpPr>
+        <p:spPr/>
+        <p:txBody>
+          <a:bodyPr/>
+          <a:lstStyle/>
+          <a:p>
+            <a:fld id="{5EFF032C-1776-1B45-910E-4ACB3AC3E7E9}" type="datetime1">
+              <a:rPr lang="en-US" smtClean="0"/>
+              <a:t>9/29/16</a:t>
+            </a:fld>
+            <a:endParaRPr lang="en-US"/>
+          </a:p>
+        </p:txBody>
+      </p:sp>
+      <p:sp>
+        <p:nvSpPr>
+          <p:cNvPr id="5" name="Footer Placeholder 4"/>
+          <p:cNvSpPr>
+            <a:spLocks noGrp="1"/>
+          </p:cNvSpPr>
+          <p:nvPr>
+            <p:ph type="ftr" sz="quarter" idx="11"/>
+          </p:nvPr>
+        </p:nvSpPr>
+        <p:spPr/>
+        <p:txBody>
+          <a:bodyPr/>
+          <a:lstStyle/>
+          <a:p>
+            <a:r>
+              <a:rPr lang="en-US" smtClean="0"/>
+              <a:t>© Steve Beaty and others</a:t>
+            </a:r>
+            <a:endParaRPr lang="en-US"/>
+          </a:p>
+        </p:txBody>
+      </p:sp>
+      <p:sp>
+        <p:nvSpPr>
+          <p:cNvPr id="6" name="Slide Number Placeholder 5"/>
+          <p:cNvSpPr>
+            <a:spLocks noGrp="1"/>
+          </p:cNvSpPr>
+          <p:nvPr>
+            <p:ph type="sldNum" sz="quarter" idx="12"/>
+          </p:nvPr>
+        </p:nvSpPr>
+        <p:spPr/>
+        <p:txBody>
+          <a:bodyPr/>
+          <a:lstStyle/>
+          <a:p>
+            <a:fld id="{F4729258-8328-224B-AED6-367F07660446}" type="slidenum">
+              <a:rPr lang="en-US" smtClean="0"/>
+              <a:t>2</a:t>
+            </a:fld>
+            <a:endParaRPr lang="en-US"/>
+          </a:p>
+        </p:txBody>
+      </p:sp>
+    </p:spTree>
+    <p:extLst>
+      <p:ext uri="{BB962C8B-B14F-4D97-AF65-F5344CB8AC3E}">
+        <p14:creationId xmlns:p14="http://schemas.microsoft.com/office/powerpoint/2010/main" val="2246223913"/>
+      </p:ext>
+    </p:extLst>
+  </p:cSld>
+  <p:clrMapOvr>
+    <a:masterClrMapping/>
+  </p:clrMapOvr>
+  <mc:AlternateContent xmlns:mc="http://schemas.openxmlformats.org/markup-compatibility/2006" xmlns:p14="http://schemas.microsoft.com/office/powerpoint/2010/main">
+    <mc:Choice Requires="p14">
+      <p:transition spd="slow" p14:dur="1200">
+        <p14:prism/>
+      </p:transition>
+    </mc:Choice>
+    <mc:Fallback xmlns="">
+      <p:transition xmlns:p14="http://schemas.microsoft.com/office/powerpoint/2010/main" spd="slow">
+        <p:fade/>
+      </p:transition>
+    </mc:Fallback>
+  </mc:AlternateContent>
+  <p:timing>
+    <p:tnLst>
+      <p:par>
+        <p:cTn id="1" dur="indefinite" restart="never" nodeType="tmRoot"/>
+      </p:par>
+    </p:tnLst>
+  </p:timing>
+</p:sld>
+</file>
+
+<file path=ppt/slides/slide20.xml><?xml version="1.0" encoding="utf-8"?>
+<p:sld xmlns:a="http://schemas.openxmlformats.org/drawingml/2006/main" xmlns:r="http://schemas.openxmlformats.org/officeDocument/2006/relationships" xmlns:p="http://schemas.openxmlformats.org/presentationml/2006/main">
+  <p:cSld>
+    <p:spTree>
+      <p:nvGrpSpPr>
+        <p:cNvPr id="1" name=""/>
+        <p:cNvGrpSpPr/>
+        <p:nvPr/>
+      </p:nvGrpSpPr>
+      <p:grpSpPr>
+        <a:xfrm>
+          <a:off x="0" y="0"/>
+          <a:ext cx="0" cy="0"/>
+          <a:chOff x="0" y="0"/>
+          <a:chExt cx="0" cy="0"/>
+        </a:xfrm>
+      </p:grpSpPr>
+      <p:sp>
+        <p:nvSpPr>
+          <p:cNvPr id="2" name="Title 1"/>
+          <p:cNvSpPr>
+            <a:spLocks noGrp="1"/>
+          </p:cNvSpPr>
+          <p:nvPr>
+            <p:ph type="title"/>
+          </p:nvPr>
+        </p:nvSpPr>
+        <p:spPr/>
+        <p:txBody>
+          <a:bodyPr/>
+          <a:lstStyle/>
+          <a:p>
+            <a:r>
+              <a:rPr lang="en-US" dirty="0" smtClean="0"/>
               <a:t>Switches</a:t>
             </a:r>
             <a:endParaRPr lang="en-US" dirty="0"/>
@@ -3530,7 +4515,7 @@
           <a:p>
             <a:fld id="{DEC1EB4E-420E-454D-9C6D-E709F2794153}" type="datetime1">
               <a:rPr lang="en-US" smtClean="0"/>
-              <a:t>10/6/15</a:t>
+              <a:t>9/29/16</a:t>
             </a:fld>
             <a:endParaRPr lang="en-US"/>
           </a:p>
@@ -3576,7 +4561,7 @@
           <a:p>
             <a:fld id="{F4729258-8328-224B-AED6-367F07660446}" type="slidenum">
               <a:rPr lang="en-US" smtClean="0"/>
-              <a:t>15</a:t>
+              <a:t>20</a:t>
             </a:fld>
             <a:endParaRPr lang="en-US"/>
           </a:p>
@@ -3607,14 +4592,14 @@
   <p:timing>
     <p:tnLst>
       <p:par>
-        <p:cTn xmlns:p14="http://schemas.microsoft.com/office/powerpoint/2010/main" id="1" dur="indefinite" restart="never" nodeType="tmRoot"/>
+        <p:cTn id="1" dur="indefinite" restart="never" nodeType="tmRoot"/>
       </p:par>
     </p:tnLst>
   </p:timing>
 </p:sld>
 </file>
 
-<file path=ppt/slides/slide16.xml><?xml version="1.0" encoding="utf-8"?>
+<file path=ppt/slides/slide21.xml><?xml version="1.0" encoding="utf-8"?>
 <p:sld xmlns:a="http://schemas.openxmlformats.org/drawingml/2006/main" xmlns:r="http://schemas.openxmlformats.org/officeDocument/2006/relationships" xmlns:p="http://schemas.openxmlformats.org/presentationml/2006/main">
   <p:cSld>
     <p:spTree>
@@ -3726,7 +4711,7 @@
           <a:p>
             <a:fld id="{82C1A84D-3904-D946-B5AE-29A493DF9AA9}" type="datetime1">
               <a:rPr lang="en-US" smtClean="0"/>
-              <a:t>10/6/15</a:t>
+              <a:t>9/29/16</a:t>
             </a:fld>
             <a:endParaRPr lang="en-US"/>
           </a:p>
@@ -3772,7 +4757,7 @@
           <a:p>
             <a:fld id="{F4729258-8328-224B-AED6-367F07660446}" type="slidenum">
               <a:rPr lang="en-US" smtClean="0"/>
-              <a:t>16</a:t>
+              <a:t>21</a:t>
             </a:fld>
             <a:endParaRPr lang="en-US"/>
           </a:p>
@@ -3803,14 +4788,14 @@
   <p:timing>
     <p:tnLst>
       <p:par>
-        <p:cTn xmlns:p14="http://schemas.microsoft.com/office/powerpoint/2010/main" id="1" dur="indefinite" restart="never" nodeType="tmRoot"/>
+        <p:cTn id="1" dur="indefinite" restart="never" nodeType="tmRoot"/>
       </p:par>
     </p:tnLst>
   </p:timing>
 </p:sld>
 </file>
 
-<file path=ppt/slides/slide17.xml><?xml version="1.0" encoding="utf-8"?>
+<file path=ppt/slides/slide22.xml><?xml version="1.0" encoding="utf-8"?>
 <p:sld xmlns:a="http://schemas.openxmlformats.org/drawingml/2006/main" xmlns:r="http://schemas.openxmlformats.org/officeDocument/2006/relationships" xmlns:p="http://schemas.openxmlformats.org/presentationml/2006/main">
   <p:cSld>
     <p:spTree>
@@ -3910,7 +4895,7 @@
           <a:p>
             <a:fld id="{37FDFEBB-CA70-F94D-B105-540D0891002F}" type="datetime1">
               <a:rPr lang="en-US" smtClean="0"/>
-              <a:t>10/6/15</a:t>
+              <a:t>9/29/16</a:t>
             </a:fld>
             <a:endParaRPr lang="en-US"/>
           </a:p>
@@ -3956,7 +4941,7 @@
           <a:p>
             <a:fld id="{F4729258-8328-224B-AED6-367F07660446}" type="slidenum">
               <a:rPr lang="en-US" smtClean="0"/>
-              <a:t>17</a:t>
+              <a:t>22</a:t>
             </a:fld>
             <a:endParaRPr lang="en-US"/>
           </a:p>
@@ -3987,1063 +4972,10 @@
   <p:timing>
     <p:tnLst>
       <p:par>
-        <p:cTn xmlns:p14="http://schemas.microsoft.com/office/powerpoint/2010/main" id="1" dur="indefinite" restart="never" nodeType="tmRoot"/>
+        <p:cTn id="1" dur="indefinite" restart="never" nodeType="tmRoot"/>
       </p:par>
     </p:tnLst>
   </p:timing>
-</p:sld>
-</file>
-
-<file path=ppt/slides/slide18.xml><?xml version="1.0" encoding="utf-8"?>
-<p:sld xmlns:a="http://schemas.openxmlformats.org/drawingml/2006/main" xmlns:r="http://schemas.openxmlformats.org/officeDocument/2006/relationships" xmlns:p="http://schemas.openxmlformats.org/presentationml/2006/main">
-  <p:cSld>
-    <p:spTree>
-      <p:nvGrpSpPr>
-        <p:cNvPr id="1" name=""/>
-        <p:cNvGrpSpPr/>
-        <p:nvPr/>
-      </p:nvGrpSpPr>
-      <p:grpSpPr>
-        <a:xfrm>
-          <a:off x="0" y="0"/>
-          <a:ext cx="0" cy="0"/>
-          <a:chOff x="0" y="0"/>
-          <a:chExt cx="0" cy="0"/>
-        </a:xfrm>
-      </p:grpSpPr>
-      <p:sp>
-        <p:nvSpPr>
-          <p:cNvPr id="2" name="Title 1"/>
-          <p:cNvSpPr>
-            <a:spLocks noGrp="1"/>
-          </p:cNvSpPr>
-          <p:nvPr>
-            <p:ph type="title"/>
-          </p:nvPr>
-        </p:nvSpPr>
-        <p:spPr/>
-        <p:txBody>
-          <a:bodyPr/>
-          <a:lstStyle/>
-          <a:p>
-            <a:r>
-              <a:rPr lang="en-US" dirty="0" smtClean="0"/>
-              <a:t>Wireless</a:t>
-            </a:r>
-            <a:endParaRPr lang="en-US" dirty="0"/>
-          </a:p>
-        </p:txBody>
-      </p:sp>
-      <p:sp>
-        <p:nvSpPr>
-          <p:cNvPr id="3" name="Content Placeholder 2"/>
-          <p:cNvSpPr>
-            <a:spLocks noGrp="1"/>
-          </p:cNvSpPr>
-          <p:nvPr>
-            <p:ph idx="1"/>
-          </p:nvPr>
-        </p:nvSpPr>
-        <p:spPr/>
-        <p:txBody>
-          <a:bodyPr/>
-          <a:lstStyle/>
-          <a:p>
-            <a:r>
-              <a:rPr lang="en-US" dirty="0" smtClean="0"/>
-              <a:t>Similar to Ethernet</a:t>
-            </a:r>
-          </a:p>
-          <a:p>
-            <a:pPr lvl="1"/>
-            <a:r>
-              <a:rPr lang="en-US" dirty="0" smtClean="0"/>
-              <a:t>Broadcast, small packets,</a:t>
-            </a:r>
-            <a:r>
-              <a:rPr lang="en-US" dirty="0"/>
-              <a:t> </a:t>
-            </a:r>
-            <a:r>
-              <a:rPr lang="en-US" dirty="0" smtClean="0"/>
-              <a:t>single talker</a:t>
-            </a:r>
-          </a:p>
-          <a:p>
-            <a:r>
-              <a:rPr lang="en-US" dirty="0" smtClean="0"/>
-              <a:t>Somewhat more complicated</a:t>
-            </a:r>
-          </a:p>
-          <a:p>
-            <a:pPr lvl="1"/>
-            <a:r>
-              <a:rPr lang="en-US" dirty="0" smtClean="0"/>
-              <a:t>Multiple access points visible</a:t>
-            </a:r>
-          </a:p>
-          <a:p>
-            <a:pPr lvl="1"/>
-            <a:r>
-              <a:rPr lang="en-US" dirty="0" smtClean="0"/>
-              <a:t>Electrical interference</a:t>
-            </a:r>
-          </a:p>
-          <a:p>
-            <a:pPr lvl="1"/>
-            <a:r>
-              <a:rPr lang="en-US" dirty="0" smtClean="0"/>
-              <a:t>Laptops move from one LAN to another</a:t>
-            </a:r>
-            <a:endParaRPr lang="en-US" dirty="0"/>
-          </a:p>
-        </p:txBody>
-      </p:sp>
-      <p:sp>
-        <p:nvSpPr>
-          <p:cNvPr id="4" name="Date Placeholder 3"/>
-          <p:cNvSpPr>
-            <a:spLocks noGrp="1"/>
-          </p:cNvSpPr>
-          <p:nvPr>
-            <p:ph type="dt" sz="half" idx="10"/>
-          </p:nvPr>
-        </p:nvSpPr>
-        <p:spPr/>
-        <p:txBody>
-          <a:bodyPr/>
-          <a:lstStyle/>
-          <a:p>
-            <a:fld id="{3E4D37E8-37DD-E34F-82FD-FC46296BE8B0}" type="datetime1">
-              <a:rPr lang="en-US" smtClean="0"/>
-              <a:t>10/6/15</a:t>
-            </a:fld>
-            <a:endParaRPr lang="en-US"/>
-          </a:p>
-        </p:txBody>
-      </p:sp>
-      <p:sp>
-        <p:nvSpPr>
-          <p:cNvPr id="5" name="Footer Placeholder 4"/>
-          <p:cNvSpPr>
-            <a:spLocks noGrp="1"/>
-          </p:cNvSpPr>
-          <p:nvPr>
-            <p:ph type="ftr" sz="quarter" idx="11"/>
-          </p:nvPr>
-        </p:nvSpPr>
-        <p:spPr/>
-        <p:txBody>
-          <a:bodyPr/>
-          <a:lstStyle/>
-          <a:p>
-            <a:r>
-              <a:rPr lang="en-US" smtClean="0"/>
-              <a:t>© Steve Beaty and others</a:t>
-            </a:r>
-            <a:endParaRPr lang="en-US"/>
-          </a:p>
-        </p:txBody>
-      </p:sp>
-      <p:sp>
-        <p:nvSpPr>
-          <p:cNvPr id="6" name="Slide Number Placeholder 5"/>
-          <p:cNvSpPr>
-            <a:spLocks noGrp="1"/>
-          </p:cNvSpPr>
-          <p:nvPr>
-            <p:ph type="sldNum" sz="quarter" idx="12"/>
-          </p:nvPr>
-        </p:nvSpPr>
-        <p:spPr/>
-        <p:txBody>
-          <a:bodyPr/>
-          <a:lstStyle/>
-          <a:p>
-            <a:fld id="{F4729258-8328-224B-AED6-367F07660446}" type="slidenum">
-              <a:rPr lang="en-US" smtClean="0"/>
-              <a:t>18</a:t>
-            </a:fld>
-            <a:endParaRPr lang="en-US"/>
-          </a:p>
-        </p:txBody>
-      </p:sp>
-    </p:spTree>
-    <p:extLst>
-      <p:ext uri="{BB962C8B-B14F-4D97-AF65-F5344CB8AC3E}">
-        <p14:creationId xmlns:p14="http://schemas.microsoft.com/office/powerpoint/2010/main" val="3179715968"/>
-      </p:ext>
-    </p:extLst>
-  </p:cSld>
-  <p:clrMapOvr>
-    <a:masterClrMapping/>
-  </p:clrMapOvr>
-</p:sld>
-</file>
-
-<file path=ppt/slides/slide19.xml><?xml version="1.0" encoding="utf-8"?>
-<p:sld xmlns:a="http://schemas.openxmlformats.org/drawingml/2006/main" xmlns:r="http://schemas.openxmlformats.org/officeDocument/2006/relationships" xmlns:p="http://schemas.openxmlformats.org/presentationml/2006/main">
-  <p:cSld>
-    <p:spTree>
-      <p:nvGrpSpPr>
-        <p:cNvPr id="1" name=""/>
-        <p:cNvGrpSpPr/>
-        <p:nvPr/>
-      </p:nvGrpSpPr>
-      <p:grpSpPr>
-        <a:xfrm>
-          <a:off x="0" y="0"/>
-          <a:ext cx="0" cy="0"/>
-          <a:chOff x="0" y="0"/>
-          <a:chExt cx="0" cy="0"/>
-        </a:xfrm>
-      </p:grpSpPr>
-      <p:sp>
-        <p:nvSpPr>
-          <p:cNvPr id="2" name="Title 1"/>
-          <p:cNvSpPr>
-            <a:spLocks noGrp="1"/>
-          </p:cNvSpPr>
-          <p:nvPr>
-            <p:ph type="title"/>
-          </p:nvPr>
-        </p:nvSpPr>
-        <p:spPr/>
-        <p:txBody>
-          <a:bodyPr/>
-          <a:lstStyle/>
-          <a:p>
-            <a:r>
-              <a:rPr lang="en-US" dirty="0" smtClean="0"/>
-              <a:t>Example</a:t>
-            </a:r>
-            <a:endParaRPr lang="en-US" dirty="0"/>
-          </a:p>
-        </p:txBody>
-      </p:sp>
-      <p:pic>
-        <p:nvPicPr>
-          <p:cNvPr id="7" name="Content Placeholder 6" descr="009x011.png"/>
-          <p:cNvPicPr>
-            <a:picLocks noGrp="1" noChangeAspect="1"/>
-          </p:cNvPicPr>
-          <p:nvPr>
-            <p:ph idx="1"/>
-          </p:nvPr>
-        </p:nvPicPr>
-        <p:blipFill>
-          <a:blip r:embed="rId2">
-            <a:extLst>
-              <a:ext uri="{28A0092B-C50C-407E-A947-70E740481C1C}">
-                <a14:useLocalDpi xmlns:a14="http://schemas.microsoft.com/office/drawing/2010/main" val="0"/>
-              </a:ext>
-            </a:extLst>
-          </a:blip>
-          <a:srcRect l="-227" r="-227"/>
-          <a:stretch>
-            <a:fillRect/>
-          </a:stretch>
-        </p:blipFill>
-        <p:spPr/>
-      </p:pic>
-      <p:sp>
-        <p:nvSpPr>
-          <p:cNvPr id="4" name="Date Placeholder 3"/>
-          <p:cNvSpPr>
-            <a:spLocks noGrp="1"/>
-          </p:cNvSpPr>
-          <p:nvPr>
-            <p:ph type="dt" sz="half" idx="10"/>
-          </p:nvPr>
-        </p:nvSpPr>
-        <p:spPr/>
-        <p:txBody>
-          <a:bodyPr/>
-          <a:lstStyle/>
-          <a:p>
-            <a:fld id="{3E4D37E8-37DD-E34F-82FD-FC46296BE8B0}" type="datetime1">
-              <a:rPr lang="en-US" smtClean="0"/>
-              <a:t>10/6/15</a:t>
-            </a:fld>
-            <a:endParaRPr lang="en-US"/>
-          </a:p>
-        </p:txBody>
-      </p:sp>
-      <p:sp>
-        <p:nvSpPr>
-          <p:cNvPr id="5" name="Footer Placeholder 4"/>
-          <p:cNvSpPr>
-            <a:spLocks noGrp="1"/>
-          </p:cNvSpPr>
-          <p:nvPr>
-            <p:ph type="ftr" sz="quarter" idx="11"/>
-          </p:nvPr>
-        </p:nvSpPr>
-        <p:spPr/>
-        <p:txBody>
-          <a:bodyPr/>
-          <a:lstStyle/>
-          <a:p>
-            <a:r>
-              <a:rPr lang="en-US" smtClean="0"/>
-              <a:t>© Steve Beaty and others</a:t>
-            </a:r>
-            <a:endParaRPr lang="en-US"/>
-          </a:p>
-        </p:txBody>
-      </p:sp>
-      <p:sp>
-        <p:nvSpPr>
-          <p:cNvPr id="6" name="Slide Number Placeholder 5"/>
-          <p:cNvSpPr>
-            <a:spLocks noGrp="1"/>
-          </p:cNvSpPr>
-          <p:nvPr>
-            <p:ph type="sldNum" sz="quarter" idx="12"/>
-          </p:nvPr>
-        </p:nvSpPr>
-        <p:spPr/>
-        <p:txBody>
-          <a:bodyPr/>
-          <a:lstStyle/>
-          <a:p>
-            <a:fld id="{F4729258-8328-224B-AED6-367F07660446}" type="slidenum">
-              <a:rPr lang="en-US" smtClean="0"/>
-              <a:t>19</a:t>
-            </a:fld>
-            <a:endParaRPr lang="en-US"/>
-          </a:p>
-        </p:txBody>
-      </p:sp>
-    </p:spTree>
-    <p:extLst>
-      <p:ext uri="{BB962C8B-B14F-4D97-AF65-F5344CB8AC3E}">
-        <p14:creationId xmlns:p14="http://schemas.microsoft.com/office/powerpoint/2010/main" val="748203459"/>
-      </p:ext>
-    </p:extLst>
-  </p:cSld>
-  <p:clrMapOvr>
-    <a:masterClrMapping/>
-  </p:clrMapOvr>
-</p:sld>
-</file>
-
-<file path=ppt/slides/slide2.xml><?xml version="1.0" encoding="utf-8"?>
-<p:sld xmlns:a="http://schemas.openxmlformats.org/drawingml/2006/main" xmlns:r="http://schemas.openxmlformats.org/officeDocument/2006/relationships" xmlns:p="http://schemas.openxmlformats.org/presentationml/2006/main">
-  <p:cSld>
-    <p:spTree>
-      <p:nvGrpSpPr>
-        <p:cNvPr id="1" name=""/>
-        <p:cNvGrpSpPr/>
-        <p:nvPr/>
-      </p:nvGrpSpPr>
-      <p:grpSpPr>
-        <a:xfrm>
-          <a:off x="0" y="0"/>
-          <a:ext cx="0" cy="0"/>
-          <a:chOff x="0" y="0"/>
-          <a:chExt cx="0" cy="0"/>
-        </a:xfrm>
-      </p:grpSpPr>
-      <p:sp>
-        <p:nvSpPr>
-          <p:cNvPr id="2" name="Title 1"/>
-          <p:cNvSpPr>
-            <a:spLocks noGrp="1"/>
-          </p:cNvSpPr>
-          <p:nvPr>
-            <p:ph type="title"/>
-          </p:nvPr>
-        </p:nvSpPr>
-        <p:spPr/>
-        <p:txBody>
-          <a:bodyPr/>
-          <a:lstStyle/>
-          <a:p>
-            <a:r>
-              <a:rPr lang="en-US" dirty="0" smtClean="0"/>
-              <a:t>Wires</a:t>
-            </a:r>
-            <a:endParaRPr lang="en-US" dirty="0"/>
-          </a:p>
-        </p:txBody>
-      </p:sp>
-      <p:sp>
-        <p:nvSpPr>
-          <p:cNvPr id="3" name="Content Placeholder 2"/>
-          <p:cNvSpPr>
-            <a:spLocks noGrp="1"/>
-          </p:cNvSpPr>
-          <p:nvPr>
-            <p:ph idx="1"/>
-          </p:nvPr>
-        </p:nvSpPr>
-        <p:spPr/>
-        <p:txBody>
-          <a:bodyPr/>
-          <a:lstStyle/>
-          <a:p>
-            <a:r>
-              <a:rPr lang="en-US" dirty="0" smtClean="0"/>
-              <a:t>Need at least two wires</a:t>
-            </a:r>
-          </a:p>
-          <a:p>
-            <a:pPr lvl="1"/>
-            <a:r>
-              <a:rPr lang="en-US" dirty="0" smtClean="0"/>
-              <a:t>Electricity must flow</a:t>
-            </a:r>
-          </a:p>
-          <a:p>
-            <a:pPr lvl="1"/>
-            <a:r>
-              <a:rPr lang="en-US" dirty="0" smtClean="0"/>
-              <a:t>Typically insulated</a:t>
-            </a:r>
-          </a:p>
-          <a:p>
-            <a:pPr lvl="1"/>
-            <a:r>
-              <a:rPr lang="en-US" dirty="0" smtClean="0"/>
-              <a:t>Often twisted</a:t>
-            </a:r>
-          </a:p>
-          <a:p>
-            <a:r>
-              <a:rPr lang="en-US" dirty="0" smtClean="0"/>
-              <a:t>Ground</a:t>
-            </a:r>
-          </a:p>
-          <a:p>
-            <a:pPr lvl="1"/>
-            <a:r>
-              <a:rPr lang="en-US" dirty="0" smtClean="0"/>
-              <a:t>Alternate electrical path</a:t>
-            </a:r>
-          </a:p>
-          <a:p>
-            <a:pPr lvl="1"/>
-            <a:r>
-              <a:rPr lang="en-US" dirty="0" smtClean="0"/>
-              <a:t>In case of internal shorts</a:t>
-            </a:r>
-            <a:endParaRPr lang="en-US" dirty="0"/>
-          </a:p>
-        </p:txBody>
-      </p:sp>
-      <p:sp>
-        <p:nvSpPr>
-          <p:cNvPr id="4" name="Date Placeholder 3"/>
-          <p:cNvSpPr>
-            <a:spLocks noGrp="1"/>
-          </p:cNvSpPr>
-          <p:nvPr>
-            <p:ph type="dt" sz="half" idx="10"/>
-          </p:nvPr>
-        </p:nvSpPr>
-        <p:spPr/>
-        <p:txBody>
-          <a:bodyPr/>
-          <a:lstStyle/>
-          <a:p>
-            <a:fld id="{5EFF032C-1776-1B45-910E-4ACB3AC3E7E9}" type="datetime1">
-              <a:rPr lang="en-US" smtClean="0"/>
-              <a:t>10/6/15</a:t>
-            </a:fld>
-            <a:endParaRPr lang="en-US"/>
-          </a:p>
-        </p:txBody>
-      </p:sp>
-      <p:sp>
-        <p:nvSpPr>
-          <p:cNvPr id="5" name="Footer Placeholder 4"/>
-          <p:cNvSpPr>
-            <a:spLocks noGrp="1"/>
-          </p:cNvSpPr>
-          <p:nvPr>
-            <p:ph type="ftr" sz="quarter" idx="11"/>
-          </p:nvPr>
-        </p:nvSpPr>
-        <p:spPr/>
-        <p:txBody>
-          <a:bodyPr/>
-          <a:lstStyle/>
-          <a:p>
-            <a:r>
-              <a:rPr lang="en-US" smtClean="0"/>
-              <a:t>© Steve Beaty and others</a:t>
-            </a:r>
-            <a:endParaRPr lang="en-US"/>
-          </a:p>
-        </p:txBody>
-      </p:sp>
-      <p:sp>
-        <p:nvSpPr>
-          <p:cNvPr id="6" name="Slide Number Placeholder 5"/>
-          <p:cNvSpPr>
-            <a:spLocks noGrp="1"/>
-          </p:cNvSpPr>
-          <p:nvPr>
-            <p:ph type="sldNum" sz="quarter" idx="12"/>
-          </p:nvPr>
-        </p:nvSpPr>
-        <p:spPr/>
-        <p:txBody>
-          <a:bodyPr/>
-          <a:lstStyle/>
-          <a:p>
-            <a:fld id="{F4729258-8328-224B-AED6-367F07660446}" type="slidenum">
-              <a:rPr lang="en-US" smtClean="0"/>
-              <a:t>2</a:t>
-            </a:fld>
-            <a:endParaRPr lang="en-US"/>
-          </a:p>
-        </p:txBody>
-      </p:sp>
-    </p:spTree>
-    <p:extLst>
-      <p:ext uri="{BB962C8B-B14F-4D97-AF65-F5344CB8AC3E}">
-        <p14:creationId xmlns:p14="http://schemas.microsoft.com/office/powerpoint/2010/main" val="2246223913"/>
-      </p:ext>
-    </p:extLst>
-  </p:cSld>
-  <p:clrMapOvr>
-    <a:masterClrMapping/>
-  </p:clrMapOvr>
-  <mc:AlternateContent xmlns:mc="http://schemas.openxmlformats.org/markup-compatibility/2006" xmlns:p14="http://schemas.microsoft.com/office/powerpoint/2010/main">
-    <mc:Choice Requires="p14">
-      <p:transition spd="slow" p14:dur="1200">
-        <p14:prism/>
-      </p:transition>
-    </mc:Choice>
-    <mc:Fallback xmlns="">
-      <p:transition xmlns:p14="http://schemas.microsoft.com/office/powerpoint/2010/main" spd="slow">
-        <p:fade/>
-      </p:transition>
-    </mc:Fallback>
-  </mc:AlternateContent>
-  <p:timing>
-    <p:tnLst>
-      <p:par>
-        <p:cTn xmlns:p14="http://schemas.microsoft.com/office/powerpoint/2010/main" id="1" dur="indefinite" restart="never" nodeType="tmRoot"/>
-      </p:par>
-    </p:tnLst>
-  </p:timing>
-</p:sld>
-</file>
-
-<file path=ppt/slides/slide20.xml><?xml version="1.0" encoding="utf-8"?>
-<p:sld xmlns:a="http://schemas.openxmlformats.org/drawingml/2006/main" xmlns:r="http://schemas.openxmlformats.org/officeDocument/2006/relationships" xmlns:p="http://schemas.openxmlformats.org/presentationml/2006/main">
-  <p:cSld>
-    <p:spTree>
-      <p:nvGrpSpPr>
-        <p:cNvPr id="1" name=""/>
-        <p:cNvGrpSpPr/>
-        <p:nvPr/>
-      </p:nvGrpSpPr>
-      <p:grpSpPr>
-        <a:xfrm>
-          <a:off x="0" y="0"/>
-          <a:ext cx="0" cy="0"/>
-          <a:chOff x="0" y="0"/>
-          <a:chExt cx="0" cy="0"/>
-        </a:xfrm>
-      </p:grpSpPr>
-      <p:sp>
-        <p:nvSpPr>
-          <p:cNvPr id="2" name="Title 1"/>
-          <p:cNvSpPr>
-            <a:spLocks noGrp="1"/>
-          </p:cNvSpPr>
-          <p:nvPr>
-            <p:ph type="title"/>
-          </p:nvPr>
-        </p:nvSpPr>
-        <p:spPr/>
-        <p:txBody>
-          <a:bodyPr/>
-          <a:lstStyle/>
-          <a:p>
-            <a:r>
-              <a:rPr lang="en-US" dirty="0" smtClean="0"/>
-              <a:t>Access Points</a:t>
-            </a:r>
-            <a:endParaRPr lang="en-US" dirty="0"/>
-          </a:p>
-        </p:txBody>
-      </p:sp>
-      <p:sp>
-        <p:nvSpPr>
-          <p:cNvPr id="3" name="Content Placeholder 2"/>
-          <p:cNvSpPr>
-            <a:spLocks noGrp="1"/>
-          </p:cNvSpPr>
-          <p:nvPr>
-            <p:ph idx="1"/>
-          </p:nvPr>
-        </p:nvSpPr>
-        <p:spPr/>
-        <p:txBody>
-          <a:bodyPr/>
-          <a:lstStyle/>
-          <a:p>
-            <a:r>
-              <a:rPr lang="en-US" dirty="0" smtClean="0"/>
-              <a:t>Identified by Service Set </a:t>
-            </a:r>
-            <a:r>
-              <a:rPr lang="en-US" dirty="0" err="1" smtClean="0"/>
-              <a:t>IDentifier</a:t>
-            </a:r>
-            <a:r>
-              <a:rPr lang="en-US" dirty="0" smtClean="0"/>
-              <a:t> (SSID)</a:t>
-            </a:r>
-          </a:p>
-          <a:p>
-            <a:pPr lvl="1"/>
-            <a:r>
-              <a:rPr lang="en-US" dirty="0" smtClean="0"/>
-              <a:t>Frequently randomly broadcast</a:t>
-            </a:r>
-          </a:p>
-          <a:p>
-            <a:r>
-              <a:rPr lang="en-US" dirty="0" smtClean="0"/>
-              <a:t>To connect, machine sends association message</a:t>
-            </a:r>
-          </a:p>
-          <a:p>
-            <a:pPr lvl="1"/>
-            <a:r>
-              <a:rPr lang="en-US" dirty="0" smtClean="0"/>
-              <a:t>Might require credentials</a:t>
-            </a:r>
-          </a:p>
-          <a:p>
-            <a:pPr lvl="1"/>
-            <a:r>
-              <a:rPr lang="en-US" dirty="0" smtClean="0"/>
-              <a:t>Hopefully encrypted</a:t>
-            </a:r>
-          </a:p>
-          <a:p>
-            <a:r>
-              <a:rPr lang="en-US" dirty="0" smtClean="0"/>
-              <a:t>Variety of speeds</a:t>
-            </a:r>
-          </a:p>
-          <a:p>
-            <a:pPr lvl="1"/>
-            <a:r>
-              <a:rPr lang="en-US" dirty="0" smtClean="0"/>
-              <a:t>54, 11, 5.5, 2, 1 Mbps</a:t>
-            </a:r>
-            <a:endParaRPr lang="en-US" dirty="0"/>
-          </a:p>
-        </p:txBody>
-      </p:sp>
-      <p:sp>
-        <p:nvSpPr>
-          <p:cNvPr id="4" name="Date Placeholder 3"/>
-          <p:cNvSpPr>
-            <a:spLocks noGrp="1"/>
-          </p:cNvSpPr>
-          <p:nvPr>
-            <p:ph type="dt" sz="half" idx="10"/>
-          </p:nvPr>
-        </p:nvSpPr>
-        <p:spPr/>
-        <p:txBody>
-          <a:bodyPr/>
-          <a:lstStyle/>
-          <a:p>
-            <a:fld id="{3E4D37E8-37DD-E34F-82FD-FC46296BE8B0}" type="datetime1">
-              <a:rPr lang="en-US" smtClean="0"/>
-              <a:t>10/6/15</a:t>
-            </a:fld>
-            <a:endParaRPr lang="en-US"/>
-          </a:p>
-        </p:txBody>
-      </p:sp>
-      <p:sp>
-        <p:nvSpPr>
-          <p:cNvPr id="5" name="Footer Placeholder 4"/>
-          <p:cNvSpPr>
-            <a:spLocks noGrp="1"/>
-          </p:cNvSpPr>
-          <p:nvPr>
-            <p:ph type="ftr" sz="quarter" idx="11"/>
-          </p:nvPr>
-        </p:nvSpPr>
-        <p:spPr/>
-        <p:txBody>
-          <a:bodyPr/>
-          <a:lstStyle/>
-          <a:p>
-            <a:r>
-              <a:rPr lang="en-US" smtClean="0"/>
-              <a:t>© Steve Beaty and others</a:t>
-            </a:r>
-            <a:endParaRPr lang="en-US"/>
-          </a:p>
-        </p:txBody>
-      </p:sp>
-      <p:sp>
-        <p:nvSpPr>
-          <p:cNvPr id="6" name="Slide Number Placeholder 5"/>
-          <p:cNvSpPr>
-            <a:spLocks noGrp="1"/>
-          </p:cNvSpPr>
-          <p:nvPr>
-            <p:ph type="sldNum" sz="quarter" idx="12"/>
-          </p:nvPr>
-        </p:nvSpPr>
-        <p:spPr/>
-        <p:txBody>
-          <a:bodyPr/>
-          <a:lstStyle/>
-          <a:p>
-            <a:fld id="{F4729258-8328-224B-AED6-367F07660446}" type="slidenum">
-              <a:rPr lang="en-US" smtClean="0"/>
-              <a:t>20</a:t>
-            </a:fld>
-            <a:endParaRPr lang="en-US"/>
-          </a:p>
-        </p:txBody>
-      </p:sp>
-    </p:spTree>
-    <p:extLst>
-      <p:ext uri="{BB962C8B-B14F-4D97-AF65-F5344CB8AC3E}">
-        <p14:creationId xmlns:p14="http://schemas.microsoft.com/office/powerpoint/2010/main" val="2823119881"/>
-      </p:ext>
-    </p:extLst>
-  </p:cSld>
-  <p:clrMapOvr>
-    <a:masterClrMapping/>
-  </p:clrMapOvr>
-</p:sld>
-</file>
-
-<file path=ppt/slides/slide21.xml><?xml version="1.0" encoding="utf-8"?>
-<p:sld xmlns:a="http://schemas.openxmlformats.org/drawingml/2006/main" xmlns:r="http://schemas.openxmlformats.org/officeDocument/2006/relationships" xmlns:p="http://schemas.openxmlformats.org/presentationml/2006/main">
-  <p:cSld>
-    <p:spTree>
-      <p:nvGrpSpPr>
-        <p:cNvPr id="1" name=""/>
-        <p:cNvGrpSpPr/>
-        <p:nvPr/>
-      </p:nvGrpSpPr>
-      <p:grpSpPr>
-        <a:xfrm>
-          <a:off x="0" y="0"/>
-          <a:ext cx="0" cy="0"/>
-          <a:chOff x="0" y="0"/>
-          <a:chExt cx="0" cy="0"/>
-        </a:xfrm>
-      </p:grpSpPr>
-      <p:sp>
-        <p:nvSpPr>
-          <p:cNvPr id="2" name="Title 1"/>
-          <p:cNvSpPr>
-            <a:spLocks noGrp="1"/>
-          </p:cNvSpPr>
-          <p:nvPr>
-            <p:ph type="title"/>
-          </p:nvPr>
-        </p:nvSpPr>
-        <p:spPr/>
-        <p:txBody>
-          <a:bodyPr/>
-          <a:lstStyle/>
-          <a:p>
-            <a:r>
-              <a:rPr lang="en-US" dirty="0" smtClean="0"/>
-              <a:t>Hidden Machine Problem</a:t>
-            </a:r>
-            <a:endParaRPr lang="en-US" dirty="0"/>
-          </a:p>
-        </p:txBody>
-      </p:sp>
-      <p:sp>
-        <p:nvSpPr>
-          <p:cNvPr id="3" name="Content Placeholder 2"/>
-          <p:cNvSpPr>
-            <a:spLocks noGrp="1"/>
-          </p:cNvSpPr>
-          <p:nvPr>
-            <p:ph idx="1"/>
-          </p:nvPr>
-        </p:nvSpPr>
-        <p:spPr/>
-        <p:txBody>
-          <a:bodyPr/>
-          <a:lstStyle/>
-          <a:p>
-            <a:r>
-              <a:rPr lang="en-US" dirty="0" smtClean="0"/>
-              <a:t>Two machines might see AP, but not each other</a:t>
-            </a:r>
-          </a:p>
-          <a:p>
-            <a:pPr lvl="1"/>
-            <a:r>
-              <a:rPr lang="en-US" dirty="0" smtClean="0"/>
-              <a:t>Out of range of signals</a:t>
-            </a:r>
-          </a:p>
-          <a:p>
-            <a:r>
-              <a:rPr lang="en-US" dirty="0" smtClean="0"/>
-              <a:t>Machine must request to send and receive confirmation</a:t>
-            </a:r>
-            <a:endParaRPr lang="en-US" dirty="0"/>
-          </a:p>
-        </p:txBody>
-      </p:sp>
-      <p:sp>
-        <p:nvSpPr>
-          <p:cNvPr id="4" name="Date Placeholder 3"/>
-          <p:cNvSpPr>
-            <a:spLocks noGrp="1"/>
-          </p:cNvSpPr>
-          <p:nvPr>
-            <p:ph type="dt" sz="half" idx="10"/>
-          </p:nvPr>
-        </p:nvSpPr>
-        <p:spPr/>
-        <p:txBody>
-          <a:bodyPr/>
-          <a:lstStyle/>
-          <a:p>
-            <a:fld id="{3E4D37E8-37DD-E34F-82FD-FC46296BE8B0}" type="datetime1">
-              <a:rPr lang="en-US" smtClean="0"/>
-              <a:t>10/6/15</a:t>
-            </a:fld>
-            <a:endParaRPr lang="en-US"/>
-          </a:p>
-        </p:txBody>
-      </p:sp>
-      <p:sp>
-        <p:nvSpPr>
-          <p:cNvPr id="5" name="Footer Placeholder 4"/>
-          <p:cNvSpPr>
-            <a:spLocks noGrp="1"/>
-          </p:cNvSpPr>
-          <p:nvPr>
-            <p:ph type="ftr" sz="quarter" idx="11"/>
-          </p:nvPr>
-        </p:nvSpPr>
-        <p:spPr/>
-        <p:txBody>
-          <a:bodyPr/>
-          <a:lstStyle/>
-          <a:p>
-            <a:r>
-              <a:rPr lang="en-US" smtClean="0"/>
-              <a:t>© Steve Beaty and others</a:t>
-            </a:r>
-            <a:endParaRPr lang="en-US"/>
-          </a:p>
-        </p:txBody>
-      </p:sp>
-      <p:sp>
-        <p:nvSpPr>
-          <p:cNvPr id="6" name="Slide Number Placeholder 5"/>
-          <p:cNvSpPr>
-            <a:spLocks noGrp="1"/>
-          </p:cNvSpPr>
-          <p:nvPr>
-            <p:ph type="sldNum" sz="quarter" idx="12"/>
-          </p:nvPr>
-        </p:nvSpPr>
-        <p:spPr/>
-        <p:txBody>
-          <a:bodyPr/>
-          <a:lstStyle/>
-          <a:p>
-            <a:fld id="{F4729258-8328-224B-AED6-367F07660446}" type="slidenum">
-              <a:rPr lang="en-US" smtClean="0"/>
-              <a:t>21</a:t>
-            </a:fld>
-            <a:endParaRPr lang="en-US"/>
-          </a:p>
-        </p:txBody>
-      </p:sp>
-    </p:spTree>
-    <p:extLst>
-      <p:ext uri="{BB962C8B-B14F-4D97-AF65-F5344CB8AC3E}">
-        <p14:creationId xmlns:p14="http://schemas.microsoft.com/office/powerpoint/2010/main" val="219836631"/>
-      </p:ext>
-    </p:extLst>
-  </p:cSld>
-  <p:clrMapOvr>
-    <a:masterClrMapping/>
-  </p:clrMapOvr>
-</p:sld>
-</file>
-
-<file path=ppt/slides/slide22.xml><?xml version="1.0" encoding="utf-8"?>
-<p:sld xmlns:a="http://schemas.openxmlformats.org/drawingml/2006/main" xmlns:r="http://schemas.openxmlformats.org/officeDocument/2006/relationships" xmlns:p="http://schemas.openxmlformats.org/presentationml/2006/main">
-  <p:cSld>
-    <p:spTree>
-      <p:nvGrpSpPr>
-        <p:cNvPr id="1" name=""/>
-        <p:cNvGrpSpPr/>
-        <p:nvPr/>
-      </p:nvGrpSpPr>
-      <p:grpSpPr>
-        <a:xfrm>
-          <a:off x="0" y="0"/>
-          <a:ext cx="0" cy="0"/>
-          <a:chOff x="0" y="0"/>
-          <a:chExt cx="0" cy="0"/>
-        </a:xfrm>
-      </p:grpSpPr>
-      <p:sp>
-        <p:nvSpPr>
-          <p:cNvPr id="2" name="Title 1"/>
-          <p:cNvSpPr>
-            <a:spLocks noGrp="1"/>
-          </p:cNvSpPr>
-          <p:nvPr>
-            <p:ph type="title"/>
-          </p:nvPr>
-        </p:nvSpPr>
-        <p:spPr/>
-        <p:txBody>
-          <a:bodyPr/>
-          <a:lstStyle/>
-          <a:p>
-            <a:r>
-              <a:rPr lang="en-US" dirty="0" smtClean="0"/>
-              <a:t>Ad Hoc</a:t>
-            </a:r>
-            <a:endParaRPr lang="en-US" dirty="0"/>
-          </a:p>
-        </p:txBody>
-      </p:sp>
-      <p:sp>
-        <p:nvSpPr>
-          <p:cNvPr id="3" name="Content Placeholder 2"/>
-          <p:cNvSpPr>
-            <a:spLocks noGrp="1"/>
-          </p:cNvSpPr>
-          <p:nvPr>
-            <p:ph idx="1"/>
-          </p:nvPr>
-        </p:nvSpPr>
-        <p:spPr/>
-        <p:txBody>
-          <a:bodyPr/>
-          <a:lstStyle/>
-          <a:p>
-            <a:r>
-              <a:rPr lang="en-US" dirty="0" smtClean="0"/>
-              <a:t>Machines can form networks to talk to each other even if not connected to internet</a:t>
-            </a:r>
-          </a:p>
-          <a:p>
-            <a:r>
-              <a:rPr lang="en-US" dirty="0" smtClean="0"/>
-              <a:t>Zero configuration LAN</a:t>
-            </a:r>
-          </a:p>
-          <a:p>
-            <a:r>
-              <a:rPr lang="en-US" dirty="0" smtClean="0"/>
-              <a:t>IP addresses typically start with 169.254</a:t>
-            </a:r>
-          </a:p>
-          <a:p>
-            <a:r>
-              <a:rPr lang="en-US" dirty="0" smtClean="0"/>
-              <a:t>Each machine picks a random address and asks if any other machine already has that address</a:t>
-            </a:r>
-            <a:endParaRPr lang="en-US" dirty="0"/>
-          </a:p>
-        </p:txBody>
-      </p:sp>
-      <p:sp>
-        <p:nvSpPr>
-          <p:cNvPr id="4" name="Date Placeholder 3"/>
-          <p:cNvSpPr>
-            <a:spLocks noGrp="1"/>
-          </p:cNvSpPr>
-          <p:nvPr>
-            <p:ph type="dt" sz="half" idx="10"/>
-          </p:nvPr>
-        </p:nvSpPr>
-        <p:spPr/>
-        <p:txBody>
-          <a:bodyPr/>
-          <a:lstStyle/>
-          <a:p>
-            <a:fld id="{3E4D37E8-37DD-E34F-82FD-FC46296BE8B0}" type="datetime1">
-              <a:rPr lang="en-US" smtClean="0"/>
-              <a:t>10/6/15</a:t>
-            </a:fld>
-            <a:endParaRPr lang="en-US"/>
-          </a:p>
-        </p:txBody>
-      </p:sp>
-      <p:sp>
-        <p:nvSpPr>
-          <p:cNvPr id="5" name="Footer Placeholder 4"/>
-          <p:cNvSpPr>
-            <a:spLocks noGrp="1"/>
-          </p:cNvSpPr>
-          <p:nvPr>
-            <p:ph type="ftr" sz="quarter" idx="11"/>
-          </p:nvPr>
-        </p:nvSpPr>
-        <p:spPr/>
-        <p:txBody>
-          <a:bodyPr/>
-          <a:lstStyle/>
-          <a:p>
-            <a:r>
-              <a:rPr lang="en-US" smtClean="0"/>
-              <a:t>© Steve Beaty and others</a:t>
-            </a:r>
-            <a:endParaRPr lang="en-US"/>
-          </a:p>
-        </p:txBody>
-      </p:sp>
-      <p:sp>
-        <p:nvSpPr>
-          <p:cNvPr id="6" name="Slide Number Placeholder 5"/>
-          <p:cNvSpPr>
-            <a:spLocks noGrp="1"/>
-          </p:cNvSpPr>
-          <p:nvPr>
-            <p:ph type="sldNum" sz="quarter" idx="12"/>
-          </p:nvPr>
-        </p:nvSpPr>
-        <p:spPr/>
-        <p:txBody>
-          <a:bodyPr/>
-          <a:lstStyle/>
-          <a:p>
-            <a:fld id="{F4729258-8328-224B-AED6-367F07660446}" type="slidenum">
-              <a:rPr lang="en-US" smtClean="0"/>
-              <a:t>22</a:t>
-            </a:fld>
-            <a:endParaRPr lang="en-US"/>
-          </a:p>
-        </p:txBody>
-      </p:sp>
-    </p:spTree>
-    <p:extLst>
-      <p:ext uri="{BB962C8B-B14F-4D97-AF65-F5344CB8AC3E}">
-        <p14:creationId xmlns:p14="http://schemas.microsoft.com/office/powerpoint/2010/main" val="641720348"/>
-      </p:ext>
-    </p:extLst>
-  </p:cSld>
-  <p:clrMapOvr>
-    <a:masterClrMapping/>
-  </p:clrMapOvr>
 </p:sld>
 </file>
 
@@ -5081,6 +5013,854 @@
           <a:p>
             <a:r>
               <a:rPr lang="en-US" dirty="0" smtClean="0"/>
+              <a:t>Wireless</a:t>
+            </a:r>
+            <a:endParaRPr lang="en-US" dirty="0"/>
+          </a:p>
+        </p:txBody>
+      </p:sp>
+      <p:sp>
+        <p:nvSpPr>
+          <p:cNvPr id="3" name="Content Placeholder 2"/>
+          <p:cNvSpPr>
+            <a:spLocks noGrp="1"/>
+          </p:cNvSpPr>
+          <p:nvPr>
+            <p:ph idx="1"/>
+          </p:nvPr>
+        </p:nvSpPr>
+        <p:spPr/>
+        <p:txBody>
+          <a:bodyPr/>
+          <a:lstStyle/>
+          <a:p>
+            <a:r>
+              <a:rPr lang="en-US" dirty="0" smtClean="0"/>
+              <a:t>Similar to Ethernet</a:t>
+            </a:r>
+          </a:p>
+          <a:p>
+            <a:pPr lvl="1"/>
+            <a:r>
+              <a:rPr lang="en-US" dirty="0" smtClean="0"/>
+              <a:t>Broadcast, small packets,</a:t>
+            </a:r>
+            <a:r>
+              <a:rPr lang="en-US" dirty="0"/>
+              <a:t> </a:t>
+            </a:r>
+            <a:r>
+              <a:rPr lang="en-US" dirty="0" smtClean="0"/>
+              <a:t>single talker</a:t>
+            </a:r>
+          </a:p>
+          <a:p>
+            <a:r>
+              <a:rPr lang="en-US" dirty="0" smtClean="0"/>
+              <a:t>Somewhat more complicated</a:t>
+            </a:r>
+          </a:p>
+          <a:p>
+            <a:pPr lvl="1"/>
+            <a:r>
+              <a:rPr lang="en-US" dirty="0" smtClean="0"/>
+              <a:t>Multiple access points visible</a:t>
+            </a:r>
+          </a:p>
+          <a:p>
+            <a:pPr lvl="1"/>
+            <a:r>
+              <a:rPr lang="en-US" dirty="0" smtClean="0"/>
+              <a:t>Electrical interference</a:t>
+            </a:r>
+          </a:p>
+          <a:p>
+            <a:pPr lvl="1"/>
+            <a:r>
+              <a:rPr lang="en-US" dirty="0" smtClean="0"/>
+              <a:t>Laptops move from one LAN to another</a:t>
+            </a:r>
+            <a:endParaRPr lang="en-US" dirty="0"/>
+          </a:p>
+        </p:txBody>
+      </p:sp>
+      <p:sp>
+        <p:nvSpPr>
+          <p:cNvPr id="4" name="Date Placeholder 3"/>
+          <p:cNvSpPr>
+            <a:spLocks noGrp="1"/>
+          </p:cNvSpPr>
+          <p:nvPr>
+            <p:ph type="dt" sz="half" idx="10"/>
+          </p:nvPr>
+        </p:nvSpPr>
+        <p:spPr/>
+        <p:txBody>
+          <a:bodyPr/>
+          <a:lstStyle/>
+          <a:p>
+            <a:fld id="{3E4D37E8-37DD-E34F-82FD-FC46296BE8B0}" type="datetime1">
+              <a:rPr lang="en-US" smtClean="0"/>
+              <a:t>9/29/16</a:t>
+            </a:fld>
+            <a:endParaRPr lang="en-US"/>
+          </a:p>
+        </p:txBody>
+      </p:sp>
+      <p:sp>
+        <p:nvSpPr>
+          <p:cNvPr id="5" name="Footer Placeholder 4"/>
+          <p:cNvSpPr>
+            <a:spLocks noGrp="1"/>
+          </p:cNvSpPr>
+          <p:nvPr>
+            <p:ph type="ftr" sz="quarter" idx="11"/>
+          </p:nvPr>
+        </p:nvSpPr>
+        <p:spPr/>
+        <p:txBody>
+          <a:bodyPr/>
+          <a:lstStyle/>
+          <a:p>
+            <a:r>
+              <a:rPr lang="en-US" smtClean="0"/>
+              <a:t>© Steve Beaty and others</a:t>
+            </a:r>
+            <a:endParaRPr lang="en-US"/>
+          </a:p>
+        </p:txBody>
+      </p:sp>
+      <p:sp>
+        <p:nvSpPr>
+          <p:cNvPr id="6" name="Slide Number Placeholder 5"/>
+          <p:cNvSpPr>
+            <a:spLocks noGrp="1"/>
+          </p:cNvSpPr>
+          <p:nvPr>
+            <p:ph type="sldNum" sz="quarter" idx="12"/>
+          </p:nvPr>
+        </p:nvSpPr>
+        <p:spPr/>
+        <p:txBody>
+          <a:bodyPr/>
+          <a:lstStyle/>
+          <a:p>
+            <a:fld id="{F4729258-8328-224B-AED6-367F07660446}" type="slidenum">
+              <a:rPr lang="en-US" smtClean="0"/>
+              <a:t>23</a:t>
+            </a:fld>
+            <a:endParaRPr lang="en-US"/>
+          </a:p>
+        </p:txBody>
+      </p:sp>
+    </p:spTree>
+    <p:extLst>
+      <p:ext uri="{BB962C8B-B14F-4D97-AF65-F5344CB8AC3E}">
+        <p14:creationId xmlns:p14="http://schemas.microsoft.com/office/powerpoint/2010/main" val="3179715968"/>
+      </p:ext>
+    </p:extLst>
+  </p:cSld>
+  <p:clrMapOvr>
+    <a:masterClrMapping/>
+  </p:clrMapOvr>
+</p:sld>
+</file>
+
+<file path=ppt/slides/slide24.xml><?xml version="1.0" encoding="utf-8"?>
+<p:sld xmlns:a="http://schemas.openxmlformats.org/drawingml/2006/main" xmlns:r="http://schemas.openxmlformats.org/officeDocument/2006/relationships" xmlns:p="http://schemas.openxmlformats.org/presentationml/2006/main">
+  <p:cSld>
+    <p:spTree>
+      <p:nvGrpSpPr>
+        <p:cNvPr id="1" name=""/>
+        <p:cNvGrpSpPr/>
+        <p:nvPr/>
+      </p:nvGrpSpPr>
+      <p:grpSpPr>
+        <a:xfrm>
+          <a:off x="0" y="0"/>
+          <a:ext cx="0" cy="0"/>
+          <a:chOff x="0" y="0"/>
+          <a:chExt cx="0" cy="0"/>
+        </a:xfrm>
+      </p:grpSpPr>
+      <p:sp>
+        <p:nvSpPr>
+          <p:cNvPr id="2" name="Title 1"/>
+          <p:cNvSpPr>
+            <a:spLocks noGrp="1"/>
+          </p:cNvSpPr>
+          <p:nvPr>
+            <p:ph type="title"/>
+          </p:nvPr>
+        </p:nvSpPr>
+        <p:spPr/>
+        <p:txBody>
+          <a:bodyPr/>
+          <a:lstStyle/>
+          <a:p>
+            <a:r>
+              <a:rPr lang="en-US" dirty="0" smtClean="0"/>
+              <a:t>Example</a:t>
+            </a:r>
+            <a:endParaRPr lang="en-US" dirty="0"/>
+          </a:p>
+        </p:txBody>
+      </p:sp>
+      <p:pic>
+        <p:nvPicPr>
+          <p:cNvPr id="7" name="Content Placeholder 6" descr="009x011.png"/>
+          <p:cNvPicPr>
+            <a:picLocks noGrp="1" noChangeAspect="1"/>
+          </p:cNvPicPr>
+          <p:nvPr>
+            <p:ph idx="1"/>
+          </p:nvPr>
+        </p:nvPicPr>
+        <p:blipFill>
+          <a:blip r:embed="rId2">
+            <a:extLst>
+              <a:ext uri="{28A0092B-C50C-407E-A947-70E740481C1C}">
+                <a14:useLocalDpi xmlns:a14="http://schemas.microsoft.com/office/drawing/2010/main" val="0"/>
+              </a:ext>
+            </a:extLst>
+          </a:blip>
+          <a:srcRect l="-227" r="-227"/>
+          <a:stretch>
+            <a:fillRect/>
+          </a:stretch>
+        </p:blipFill>
+        <p:spPr/>
+      </p:pic>
+      <p:sp>
+        <p:nvSpPr>
+          <p:cNvPr id="4" name="Date Placeholder 3"/>
+          <p:cNvSpPr>
+            <a:spLocks noGrp="1"/>
+          </p:cNvSpPr>
+          <p:nvPr>
+            <p:ph type="dt" sz="half" idx="10"/>
+          </p:nvPr>
+        </p:nvSpPr>
+        <p:spPr/>
+        <p:txBody>
+          <a:bodyPr/>
+          <a:lstStyle/>
+          <a:p>
+            <a:fld id="{3E4D37E8-37DD-E34F-82FD-FC46296BE8B0}" type="datetime1">
+              <a:rPr lang="en-US" smtClean="0"/>
+              <a:t>9/29/16</a:t>
+            </a:fld>
+            <a:endParaRPr lang="en-US"/>
+          </a:p>
+        </p:txBody>
+      </p:sp>
+      <p:sp>
+        <p:nvSpPr>
+          <p:cNvPr id="5" name="Footer Placeholder 4"/>
+          <p:cNvSpPr>
+            <a:spLocks noGrp="1"/>
+          </p:cNvSpPr>
+          <p:nvPr>
+            <p:ph type="ftr" sz="quarter" idx="11"/>
+          </p:nvPr>
+        </p:nvSpPr>
+        <p:spPr/>
+        <p:txBody>
+          <a:bodyPr/>
+          <a:lstStyle/>
+          <a:p>
+            <a:r>
+              <a:rPr lang="en-US" smtClean="0"/>
+              <a:t>© Steve Beaty and others</a:t>
+            </a:r>
+            <a:endParaRPr lang="en-US"/>
+          </a:p>
+        </p:txBody>
+      </p:sp>
+      <p:sp>
+        <p:nvSpPr>
+          <p:cNvPr id="6" name="Slide Number Placeholder 5"/>
+          <p:cNvSpPr>
+            <a:spLocks noGrp="1"/>
+          </p:cNvSpPr>
+          <p:nvPr>
+            <p:ph type="sldNum" sz="quarter" idx="12"/>
+          </p:nvPr>
+        </p:nvSpPr>
+        <p:spPr/>
+        <p:txBody>
+          <a:bodyPr/>
+          <a:lstStyle/>
+          <a:p>
+            <a:fld id="{F4729258-8328-224B-AED6-367F07660446}" type="slidenum">
+              <a:rPr lang="en-US" smtClean="0"/>
+              <a:t>24</a:t>
+            </a:fld>
+            <a:endParaRPr lang="en-US"/>
+          </a:p>
+        </p:txBody>
+      </p:sp>
+    </p:spTree>
+    <p:extLst>
+      <p:ext uri="{BB962C8B-B14F-4D97-AF65-F5344CB8AC3E}">
+        <p14:creationId xmlns:p14="http://schemas.microsoft.com/office/powerpoint/2010/main" val="748203459"/>
+      </p:ext>
+    </p:extLst>
+  </p:cSld>
+  <p:clrMapOvr>
+    <a:masterClrMapping/>
+  </p:clrMapOvr>
+</p:sld>
+</file>
+
+<file path=ppt/slides/slide25.xml><?xml version="1.0" encoding="utf-8"?>
+<p:sld xmlns:a="http://schemas.openxmlformats.org/drawingml/2006/main" xmlns:r="http://schemas.openxmlformats.org/officeDocument/2006/relationships" xmlns:p="http://schemas.openxmlformats.org/presentationml/2006/main">
+  <p:cSld>
+    <p:spTree>
+      <p:nvGrpSpPr>
+        <p:cNvPr id="1" name=""/>
+        <p:cNvGrpSpPr/>
+        <p:nvPr/>
+      </p:nvGrpSpPr>
+      <p:grpSpPr>
+        <a:xfrm>
+          <a:off x="0" y="0"/>
+          <a:ext cx="0" cy="0"/>
+          <a:chOff x="0" y="0"/>
+          <a:chExt cx="0" cy="0"/>
+        </a:xfrm>
+      </p:grpSpPr>
+      <p:sp>
+        <p:nvSpPr>
+          <p:cNvPr id="2" name="Title 1"/>
+          <p:cNvSpPr>
+            <a:spLocks noGrp="1"/>
+          </p:cNvSpPr>
+          <p:nvPr>
+            <p:ph type="title"/>
+          </p:nvPr>
+        </p:nvSpPr>
+        <p:spPr/>
+        <p:txBody>
+          <a:bodyPr/>
+          <a:lstStyle/>
+          <a:p>
+            <a:r>
+              <a:rPr lang="en-US" dirty="0" smtClean="0"/>
+              <a:t>Access Points</a:t>
+            </a:r>
+            <a:endParaRPr lang="en-US" dirty="0"/>
+          </a:p>
+        </p:txBody>
+      </p:sp>
+      <p:sp>
+        <p:nvSpPr>
+          <p:cNvPr id="3" name="Content Placeholder 2"/>
+          <p:cNvSpPr>
+            <a:spLocks noGrp="1"/>
+          </p:cNvSpPr>
+          <p:nvPr>
+            <p:ph idx="1"/>
+          </p:nvPr>
+        </p:nvSpPr>
+        <p:spPr/>
+        <p:txBody>
+          <a:bodyPr/>
+          <a:lstStyle/>
+          <a:p>
+            <a:r>
+              <a:rPr lang="en-US" dirty="0" smtClean="0"/>
+              <a:t>Identified by Service Set </a:t>
+            </a:r>
+            <a:r>
+              <a:rPr lang="en-US" dirty="0" err="1" smtClean="0"/>
+              <a:t>IDentifier</a:t>
+            </a:r>
+            <a:r>
+              <a:rPr lang="en-US" dirty="0" smtClean="0"/>
+              <a:t> (SSID)</a:t>
+            </a:r>
+          </a:p>
+          <a:p>
+            <a:pPr lvl="1"/>
+            <a:r>
+              <a:rPr lang="en-US" dirty="0" smtClean="0"/>
+              <a:t>Frequently randomly broadcast</a:t>
+            </a:r>
+          </a:p>
+          <a:p>
+            <a:r>
+              <a:rPr lang="en-US" dirty="0" smtClean="0"/>
+              <a:t>To connect, machine sends association message</a:t>
+            </a:r>
+          </a:p>
+          <a:p>
+            <a:pPr lvl="1"/>
+            <a:r>
+              <a:rPr lang="en-US" dirty="0" smtClean="0"/>
+              <a:t>Might require credentials</a:t>
+            </a:r>
+          </a:p>
+          <a:p>
+            <a:pPr lvl="1"/>
+            <a:r>
+              <a:rPr lang="en-US" dirty="0" smtClean="0"/>
+              <a:t>Hopefully encrypted</a:t>
+            </a:r>
+          </a:p>
+          <a:p>
+            <a:r>
+              <a:rPr lang="en-US" dirty="0" smtClean="0"/>
+              <a:t>Variety of speeds</a:t>
+            </a:r>
+          </a:p>
+          <a:p>
+            <a:pPr lvl="1"/>
+            <a:r>
+              <a:rPr lang="en-US" dirty="0" smtClean="0"/>
+              <a:t>54, 11, 5.5, 2, 1 Mbps</a:t>
+            </a:r>
+            <a:endParaRPr lang="en-US" dirty="0"/>
+          </a:p>
+        </p:txBody>
+      </p:sp>
+      <p:sp>
+        <p:nvSpPr>
+          <p:cNvPr id="4" name="Date Placeholder 3"/>
+          <p:cNvSpPr>
+            <a:spLocks noGrp="1"/>
+          </p:cNvSpPr>
+          <p:nvPr>
+            <p:ph type="dt" sz="half" idx="10"/>
+          </p:nvPr>
+        </p:nvSpPr>
+        <p:spPr/>
+        <p:txBody>
+          <a:bodyPr/>
+          <a:lstStyle/>
+          <a:p>
+            <a:fld id="{3E4D37E8-37DD-E34F-82FD-FC46296BE8B0}" type="datetime1">
+              <a:rPr lang="en-US" smtClean="0"/>
+              <a:t>9/29/16</a:t>
+            </a:fld>
+            <a:endParaRPr lang="en-US"/>
+          </a:p>
+        </p:txBody>
+      </p:sp>
+      <p:sp>
+        <p:nvSpPr>
+          <p:cNvPr id="5" name="Footer Placeholder 4"/>
+          <p:cNvSpPr>
+            <a:spLocks noGrp="1"/>
+          </p:cNvSpPr>
+          <p:nvPr>
+            <p:ph type="ftr" sz="quarter" idx="11"/>
+          </p:nvPr>
+        </p:nvSpPr>
+        <p:spPr/>
+        <p:txBody>
+          <a:bodyPr/>
+          <a:lstStyle/>
+          <a:p>
+            <a:r>
+              <a:rPr lang="en-US" smtClean="0"/>
+              <a:t>© Steve Beaty and others</a:t>
+            </a:r>
+            <a:endParaRPr lang="en-US"/>
+          </a:p>
+        </p:txBody>
+      </p:sp>
+      <p:sp>
+        <p:nvSpPr>
+          <p:cNvPr id="6" name="Slide Number Placeholder 5"/>
+          <p:cNvSpPr>
+            <a:spLocks noGrp="1"/>
+          </p:cNvSpPr>
+          <p:nvPr>
+            <p:ph type="sldNum" sz="quarter" idx="12"/>
+          </p:nvPr>
+        </p:nvSpPr>
+        <p:spPr/>
+        <p:txBody>
+          <a:bodyPr/>
+          <a:lstStyle/>
+          <a:p>
+            <a:fld id="{F4729258-8328-224B-AED6-367F07660446}" type="slidenum">
+              <a:rPr lang="en-US" smtClean="0"/>
+              <a:t>25</a:t>
+            </a:fld>
+            <a:endParaRPr lang="en-US"/>
+          </a:p>
+        </p:txBody>
+      </p:sp>
+    </p:spTree>
+    <p:extLst>
+      <p:ext uri="{BB962C8B-B14F-4D97-AF65-F5344CB8AC3E}">
+        <p14:creationId xmlns:p14="http://schemas.microsoft.com/office/powerpoint/2010/main" val="2823119881"/>
+      </p:ext>
+    </p:extLst>
+  </p:cSld>
+  <p:clrMapOvr>
+    <a:masterClrMapping/>
+  </p:clrMapOvr>
+</p:sld>
+</file>
+
+<file path=ppt/slides/slide26.xml><?xml version="1.0" encoding="utf-8"?>
+<p:sld xmlns:a="http://schemas.openxmlformats.org/drawingml/2006/main" xmlns:r="http://schemas.openxmlformats.org/officeDocument/2006/relationships" xmlns:p="http://schemas.openxmlformats.org/presentationml/2006/main">
+  <p:cSld>
+    <p:spTree>
+      <p:nvGrpSpPr>
+        <p:cNvPr id="1" name=""/>
+        <p:cNvGrpSpPr/>
+        <p:nvPr/>
+      </p:nvGrpSpPr>
+      <p:grpSpPr>
+        <a:xfrm>
+          <a:off x="0" y="0"/>
+          <a:ext cx="0" cy="0"/>
+          <a:chOff x="0" y="0"/>
+          <a:chExt cx="0" cy="0"/>
+        </a:xfrm>
+      </p:grpSpPr>
+      <p:sp>
+        <p:nvSpPr>
+          <p:cNvPr id="2" name="Title 1"/>
+          <p:cNvSpPr>
+            <a:spLocks noGrp="1"/>
+          </p:cNvSpPr>
+          <p:nvPr>
+            <p:ph type="title"/>
+          </p:nvPr>
+        </p:nvSpPr>
+        <p:spPr/>
+        <p:txBody>
+          <a:bodyPr/>
+          <a:lstStyle/>
+          <a:p>
+            <a:r>
+              <a:rPr lang="en-US" dirty="0" smtClean="0"/>
+              <a:t>Hidden Machine Problem</a:t>
+            </a:r>
+            <a:endParaRPr lang="en-US" dirty="0"/>
+          </a:p>
+        </p:txBody>
+      </p:sp>
+      <p:sp>
+        <p:nvSpPr>
+          <p:cNvPr id="3" name="Content Placeholder 2"/>
+          <p:cNvSpPr>
+            <a:spLocks noGrp="1"/>
+          </p:cNvSpPr>
+          <p:nvPr>
+            <p:ph idx="1"/>
+          </p:nvPr>
+        </p:nvSpPr>
+        <p:spPr/>
+        <p:txBody>
+          <a:bodyPr/>
+          <a:lstStyle/>
+          <a:p>
+            <a:r>
+              <a:rPr lang="en-US" dirty="0" smtClean="0"/>
+              <a:t>Two machines might see AP, but not each other</a:t>
+            </a:r>
+          </a:p>
+          <a:p>
+            <a:pPr lvl="1"/>
+            <a:r>
+              <a:rPr lang="en-US" dirty="0" smtClean="0"/>
+              <a:t>Out of range of signals</a:t>
+            </a:r>
+          </a:p>
+          <a:p>
+            <a:r>
+              <a:rPr lang="en-US" dirty="0" smtClean="0"/>
+              <a:t>Machine must request to send and receive confirmation</a:t>
+            </a:r>
+            <a:endParaRPr lang="en-US" dirty="0"/>
+          </a:p>
+        </p:txBody>
+      </p:sp>
+      <p:sp>
+        <p:nvSpPr>
+          <p:cNvPr id="4" name="Date Placeholder 3"/>
+          <p:cNvSpPr>
+            <a:spLocks noGrp="1"/>
+          </p:cNvSpPr>
+          <p:nvPr>
+            <p:ph type="dt" sz="half" idx="10"/>
+          </p:nvPr>
+        </p:nvSpPr>
+        <p:spPr/>
+        <p:txBody>
+          <a:bodyPr/>
+          <a:lstStyle/>
+          <a:p>
+            <a:fld id="{3E4D37E8-37DD-E34F-82FD-FC46296BE8B0}" type="datetime1">
+              <a:rPr lang="en-US" smtClean="0"/>
+              <a:t>9/29/16</a:t>
+            </a:fld>
+            <a:endParaRPr lang="en-US"/>
+          </a:p>
+        </p:txBody>
+      </p:sp>
+      <p:sp>
+        <p:nvSpPr>
+          <p:cNvPr id="5" name="Footer Placeholder 4"/>
+          <p:cNvSpPr>
+            <a:spLocks noGrp="1"/>
+          </p:cNvSpPr>
+          <p:nvPr>
+            <p:ph type="ftr" sz="quarter" idx="11"/>
+          </p:nvPr>
+        </p:nvSpPr>
+        <p:spPr/>
+        <p:txBody>
+          <a:bodyPr/>
+          <a:lstStyle/>
+          <a:p>
+            <a:r>
+              <a:rPr lang="en-US" smtClean="0"/>
+              <a:t>© Steve Beaty and others</a:t>
+            </a:r>
+            <a:endParaRPr lang="en-US"/>
+          </a:p>
+        </p:txBody>
+      </p:sp>
+      <p:sp>
+        <p:nvSpPr>
+          <p:cNvPr id="6" name="Slide Number Placeholder 5"/>
+          <p:cNvSpPr>
+            <a:spLocks noGrp="1"/>
+          </p:cNvSpPr>
+          <p:nvPr>
+            <p:ph type="sldNum" sz="quarter" idx="12"/>
+          </p:nvPr>
+        </p:nvSpPr>
+        <p:spPr/>
+        <p:txBody>
+          <a:bodyPr/>
+          <a:lstStyle/>
+          <a:p>
+            <a:fld id="{F4729258-8328-224B-AED6-367F07660446}" type="slidenum">
+              <a:rPr lang="en-US" smtClean="0"/>
+              <a:t>26</a:t>
+            </a:fld>
+            <a:endParaRPr lang="en-US"/>
+          </a:p>
+        </p:txBody>
+      </p:sp>
+    </p:spTree>
+    <p:extLst>
+      <p:ext uri="{BB962C8B-B14F-4D97-AF65-F5344CB8AC3E}">
+        <p14:creationId xmlns:p14="http://schemas.microsoft.com/office/powerpoint/2010/main" val="219836631"/>
+      </p:ext>
+    </p:extLst>
+  </p:cSld>
+  <p:clrMapOvr>
+    <a:masterClrMapping/>
+  </p:clrMapOvr>
+</p:sld>
+</file>
+
+<file path=ppt/slides/slide27.xml><?xml version="1.0" encoding="utf-8"?>
+<p:sld xmlns:a="http://schemas.openxmlformats.org/drawingml/2006/main" xmlns:r="http://schemas.openxmlformats.org/officeDocument/2006/relationships" xmlns:p="http://schemas.openxmlformats.org/presentationml/2006/main">
+  <p:cSld>
+    <p:spTree>
+      <p:nvGrpSpPr>
+        <p:cNvPr id="1" name=""/>
+        <p:cNvGrpSpPr/>
+        <p:nvPr/>
+      </p:nvGrpSpPr>
+      <p:grpSpPr>
+        <a:xfrm>
+          <a:off x="0" y="0"/>
+          <a:ext cx="0" cy="0"/>
+          <a:chOff x="0" y="0"/>
+          <a:chExt cx="0" cy="0"/>
+        </a:xfrm>
+      </p:grpSpPr>
+      <p:sp>
+        <p:nvSpPr>
+          <p:cNvPr id="2" name="Title 1"/>
+          <p:cNvSpPr>
+            <a:spLocks noGrp="1"/>
+          </p:cNvSpPr>
+          <p:nvPr>
+            <p:ph type="title"/>
+          </p:nvPr>
+        </p:nvSpPr>
+        <p:spPr/>
+        <p:txBody>
+          <a:bodyPr/>
+          <a:lstStyle/>
+          <a:p>
+            <a:r>
+              <a:rPr lang="en-US" dirty="0" smtClean="0"/>
+              <a:t>Ad Hoc</a:t>
+            </a:r>
+            <a:endParaRPr lang="en-US" dirty="0"/>
+          </a:p>
+        </p:txBody>
+      </p:sp>
+      <p:sp>
+        <p:nvSpPr>
+          <p:cNvPr id="3" name="Content Placeholder 2"/>
+          <p:cNvSpPr>
+            <a:spLocks noGrp="1"/>
+          </p:cNvSpPr>
+          <p:nvPr>
+            <p:ph idx="1"/>
+          </p:nvPr>
+        </p:nvSpPr>
+        <p:spPr/>
+        <p:txBody>
+          <a:bodyPr/>
+          <a:lstStyle/>
+          <a:p>
+            <a:r>
+              <a:rPr lang="en-US" dirty="0" smtClean="0"/>
+              <a:t>Machines can form networks to talk to each other even if not connected to internet</a:t>
+            </a:r>
+          </a:p>
+          <a:p>
+            <a:r>
+              <a:rPr lang="en-US" dirty="0" smtClean="0"/>
+              <a:t>Zero configuration LAN</a:t>
+            </a:r>
+          </a:p>
+          <a:p>
+            <a:r>
+              <a:rPr lang="en-US" dirty="0" smtClean="0"/>
+              <a:t>IP addresses typically start with 169.254</a:t>
+            </a:r>
+          </a:p>
+          <a:p>
+            <a:r>
+              <a:rPr lang="en-US" dirty="0" smtClean="0"/>
+              <a:t>Each machine picks a random address and asks if any other machine already has that address</a:t>
+            </a:r>
+            <a:endParaRPr lang="en-US" dirty="0"/>
+          </a:p>
+        </p:txBody>
+      </p:sp>
+      <p:sp>
+        <p:nvSpPr>
+          <p:cNvPr id="4" name="Date Placeholder 3"/>
+          <p:cNvSpPr>
+            <a:spLocks noGrp="1"/>
+          </p:cNvSpPr>
+          <p:nvPr>
+            <p:ph type="dt" sz="half" idx="10"/>
+          </p:nvPr>
+        </p:nvSpPr>
+        <p:spPr/>
+        <p:txBody>
+          <a:bodyPr/>
+          <a:lstStyle/>
+          <a:p>
+            <a:fld id="{3E4D37E8-37DD-E34F-82FD-FC46296BE8B0}" type="datetime1">
+              <a:rPr lang="en-US" smtClean="0"/>
+              <a:t>9/29/16</a:t>
+            </a:fld>
+            <a:endParaRPr lang="en-US"/>
+          </a:p>
+        </p:txBody>
+      </p:sp>
+      <p:sp>
+        <p:nvSpPr>
+          <p:cNvPr id="5" name="Footer Placeholder 4"/>
+          <p:cNvSpPr>
+            <a:spLocks noGrp="1"/>
+          </p:cNvSpPr>
+          <p:nvPr>
+            <p:ph type="ftr" sz="quarter" idx="11"/>
+          </p:nvPr>
+        </p:nvSpPr>
+        <p:spPr/>
+        <p:txBody>
+          <a:bodyPr/>
+          <a:lstStyle/>
+          <a:p>
+            <a:r>
+              <a:rPr lang="en-US" smtClean="0"/>
+              <a:t>© Steve Beaty and others</a:t>
+            </a:r>
+            <a:endParaRPr lang="en-US"/>
+          </a:p>
+        </p:txBody>
+      </p:sp>
+      <p:sp>
+        <p:nvSpPr>
+          <p:cNvPr id="6" name="Slide Number Placeholder 5"/>
+          <p:cNvSpPr>
+            <a:spLocks noGrp="1"/>
+          </p:cNvSpPr>
+          <p:nvPr>
+            <p:ph type="sldNum" sz="quarter" idx="12"/>
+          </p:nvPr>
+        </p:nvSpPr>
+        <p:spPr/>
+        <p:txBody>
+          <a:bodyPr/>
+          <a:lstStyle/>
+          <a:p>
+            <a:fld id="{F4729258-8328-224B-AED6-367F07660446}" type="slidenum">
+              <a:rPr lang="en-US" smtClean="0"/>
+              <a:t>27</a:t>
+            </a:fld>
+            <a:endParaRPr lang="en-US"/>
+          </a:p>
+        </p:txBody>
+      </p:sp>
+    </p:spTree>
+    <p:extLst>
+      <p:ext uri="{BB962C8B-B14F-4D97-AF65-F5344CB8AC3E}">
+        <p14:creationId xmlns:p14="http://schemas.microsoft.com/office/powerpoint/2010/main" val="641720348"/>
+      </p:ext>
+    </p:extLst>
+  </p:cSld>
+  <p:clrMapOvr>
+    <a:masterClrMapping/>
+  </p:clrMapOvr>
+</p:sld>
+</file>
+
+<file path=ppt/slides/slide28.xml><?xml version="1.0" encoding="utf-8"?>
+<p:sld xmlns:a="http://schemas.openxmlformats.org/drawingml/2006/main" xmlns:r="http://schemas.openxmlformats.org/officeDocument/2006/relationships" xmlns:p="http://schemas.openxmlformats.org/presentationml/2006/main">
+  <p:cSld>
+    <p:spTree>
+      <p:nvGrpSpPr>
+        <p:cNvPr id="1" name=""/>
+        <p:cNvGrpSpPr/>
+        <p:nvPr/>
+      </p:nvGrpSpPr>
+      <p:grpSpPr>
+        <a:xfrm>
+          <a:off x="0" y="0"/>
+          <a:ext cx="0" cy="0"/>
+          <a:chOff x="0" y="0"/>
+          <a:chExt cx="0" cy="0"/>
+        </a:xfrm>
+      </p:grpSpPr>
+      <p:sp>
+        <p:nvSpPr>
+          <p:cNvPr id="2" name="Title 1"/>
+          <p:cNvSpPr>
+            <a:spLocks noGrp="1"/>
+          </p:cNvSpPr>
+          <p:nvPr>
+            <p:ph type="title"/>
+          </p:nvPr>
+        </p:nvSpPr>
+        <p:spPr/>
+        <p:txBody>
+          <a:bodyPr/>
+          <a:lstStyle/>
+          <a:p>
+            <a:r>
+              <a:rPr lang="en-US" dirty="0" smtClean="0"/>
               <a:t>Review</a:t>
             </a:r>
             <a:endParaRPr lang="en-US" dirty="0"/>
@@ -5133,7 +5913,7 @@
           <a:p>
             <a:fld id="{3E4D37E8-37DD-E34F-82FD-FC46296BE8B0}" type="datetime1">
               <a:rPr lang="en-US" smtClean="0"/>
-              <a:t>10/6/15</a:t>
+              <a:t>9/29/16</a:t>
             </a:fld>
             <a:endParaRPr lang="en-US"/>
           </a:p>
@@ -5179,7 +5959,7 @@
           <a:p>
             <a:fld id="{F4729258-8328-224B-AED6-367F07660446}" type="slidenum">
               <a:rPr lang="en-US" smtClean="0"/>
-              <a:t>23</a:t>
+              <a:t>28</a:t>
             </a:fld>
             <a:endParaRPr lang="en-US"/>
           </a:p>
@@ -5297,7 +6077,7 @@
           <a:p>
             <a:fld id="{9B267EC1-D1F7-AF41-91D6-9270DC3C7F18}" type="datetime1">
               <a:rPr lang="en-US" smtClean="0"/>
-              <a:t>10/6/15</a:t>
+              <a:t>9/29/16</a:t>
             </a:fld>
             <a:endParaRPr lang="en-US"/>
           </a:p>
@@ -5374,7 +6154,7 @@
   <p:timing>
     <p:tnLst>
       <p:par>
-        <p:cTn xmlns:p14="http://schemas.microsoft.com/office/powerpoint/2010/main" id="1" dur="indefinite" restart="never" nodeType="tmRoot"/>
+        <p:cTn id="1" dur="indefinite" restart="never" nodeType="tmRoot"/>
       </p:par>
     </p:tnLst>
   </p:timing>
@@ -5493,7 +6273,7 @@
           <a:p>
             <a:fld id="{713DA53F-AD83-084E-8A3A-87EBF54369D1}" type="datetime1">
               <a:rPr lang="en-US" smtClean="0"/>
-              <a:t>10/6/15</a:t>
+              <a:t>9/29/16</a:t>
             </a:fld>
             <a:endParaRPr lang="en-US"/>
           </a:p>
@@ -5570,7 +6350,7 @@
   <p:timing>
     <p:tnLst>
       <p:par>
-        <p:cTn xmlns:p14="http://schemas.microsoft.com/office/powerpoint/2010/main" id="1" dur="indefinite" restart="never" nodeType="tmRoot"/>
+        <p:cTn id="1" dur="indefinite" restart="never" nodeType="tmRoot"/>
       </p:par>
     </p:tnLst>
   </p:timing>
@@ -5679,7 +6459,7 @@
           <a:p>
             <a:fld id="{D3A8DE84-00D9-F642-B670-1604A8C0378A}" type="datetime1">
               <a:rPr lang="en-US" smtClean="0"/>
-              <a:t>10/6/15</a:t>
+              <a:t>9/29/16</a:t>
             </a:fld>
             <a:endParaRPr lang="en-US"/>
           </a:p>
@@ -5756,7 +6536,7 @@
   <p:timing>
     <p:tnLst>
       <p:par>
-        <p:cTn xmlns:p14="http://schemas.microsoft.com/office/powerpoint/2010/main" id="1" dur="indefinite" restart="never" nodeType="tmRoot"/>
+        <p:cTn id="1" dur="indefinite" restart="never" nodeType="tmRoot"/>
       </p:par>
     </p:tnLst>
   </p:timing>
@@ -5903,7 +6683,7 @@
           <a:p>
             <a:fld id="{FF1FC44E-B37E-C24F-BDE4-05E11D2A70A2}" type="datetime1">
               <a:rPr lang="en-US" smtClean="0"/>
-              <a:t>10/6/15</a:t>
+              <a:t>9/29/16</a:t>
             </a:fld>
             <a:endParaRPr lang="en-US"/>
           </a:p>
@@ -5980,7 +6760,7 @@
   <p:timing>
     <p:tnLst>
       <p:par>
-        <p:cTn xmlns:p14="http://schemas.microsoft.com/office/powerpoint/2010/main" id="1" dur="indefinite" restart="never" nodeType="tmRoot"/>
+        <p:cTn id="1" dur="indefinite" restart="never" nodeType="tmRoot"/>
       </p:par>
     </p:tnLst>
   </p:timing>
@@ -6079,7 +6859,7 @@
           <a:p>
             <a:fld id="{AB245AE0-C04E-E248-BB0C-54B4B37BDEC9}" type="datetime1">
               <a:rPr lang="en-US" smtClean="0"/>
-              <a:t>10/6/15</a:t>
+              <a:t>9/29/16</a:t>
             </a:fld>
             <a:endParaRPr lang="en-US"/>
           </a:p>
@@ -6156,7 +6936,7 @@
   <p:timing>
     <p:tnLst>
       <p:par>
-        <p:cTn xmlns:p14="http://schemas.microsoft.com/office/powerpoint/2010/main" id="1" dur="indefinite" restart="never" nodeType="tmRoot"/>
+        <p:cTn id="1" dur="indefinite" restart="never" nodeType="tmRoot"/>
       </p:par>
     </p:tnLst>
   </p:timing>
@@ -6265,7 +7045,7 @@
           <a:p>
             <a:fld id="{AC29681A-12D3-8846-B67C-560ED3502BFB}" type="datetime1">
               <a:rPr lang="en-US" smtClean="0"/>
-              <a:t>10/6/15</a:t>
+              <a:t>9/29/16</a:t>
             </a:fld>
             <a:endParaRPr lang="en-US"/>
           </a:p>
@@ -6342,7 +7122,7 @@
   <p:timing>
     <p:tnLst>
       <p:par>
-        <p:cTn xmlns:p14="http://schemas.microsoft.com/office/powerpoint/2010/main" id="1" dur="indefinite" restart="never" nodeType="tmRoot"/>
+        <p:cTn id="1" dur="indefinite" restart="never" nodeType="tmRoot"/>
       </p:par>
     </p:tnLst>
   </p:timing>
@@ -6495,7 +7275,7 @@
           <a:p>
             <a:fld id="{307A1582-6ABF-A54B-97CF-9173D460B272}" type="datetime1">
               <a:rPr lang="en-US" smtClean="0"/>
-              <a:t>10/6/15</a:t>
+              <a:t>9/29/16</a:t>
             </a:fld>
             <a:endParaRPr lang="en-US"/>
           </a:p>
@@ -6572,7 +7352,7 @@
   <p:timing>
     <p:tnLst>
       <p:par>
-        <p:cTn xmlns:p14="http://schemas.microsoft.com/office/powerpoint/2010/main" id="1" dur="indefinite" restart="never" nodeType="tmRoot"/>
+        <p:cTn id="1" dur="indefinite" restart="never" nodeType="tmRoot"/>
       </p:par>
     </p:tnLst>
   </p:timing>

--- a/slides-steve/Chapter 09.pptx
+++ b/slides-steve/Chapter 09.pptx
@@ -2448,8 +2448,12 @@
           <a:lstStyle/>
           <a:p>
             <a:r>
-              <a:rPr lang="en-US" dirty="0" smtClean="0"/>
-              <a:t>Chapter Nine</a:t>
+              <a:rPr lang="en-US" smtClean="0"/>
+              <a:t>Chapter </a:t>
+            </a:r>
+            <a:r>
+              <a:rPr lang="en-US" smtClean="0"/>
+              <a:t>9</a:t>
             </a:r>
             <a:endParaRPr lang="en-US" dirty="0"/>
           </a:p>

--- a/slides-steve/Chapter 09.pptx
+++ b/slides-steve/Chapter 09.pptx
@@ -238,7 +238,7 @@
           <a:p>
             <a:fld id="{B1BDDB0A-12FC-9A42-842D-3547E355B3A8}" type="datetimeFigureOut">
               <a:rPr lang="en-US" smtClean="0"/>
-              <a:t>9/29/16</a:t>
+              <a:t>10/10/16</a:t>
             </a:fld>
             <a:endParaRPr lang="en-US"/>
           </a:p>
@@ -404,7 +404,7 @@
           <a:p>
             <a:fld id="{77D3AFCC-CB1B-2940-9C75-34E17455A398}" type="datetimeFigureOut">
               <a:rPr lang="en-US" smtClean="0"/>
-              <a:t>9/29/16</a:t>
+              <a:t>10/10/16</a:t>
             </a:fld>
             <a:endParaRPr lang="en-US"/>
           </a:p>
@@ -1052,7 +1052,7 @@
           <a:p>
             <a:fld id="{3E4D37E8-37DD-E34F-82FD-FC46296BE8B0}" type="datetime1">
               <a:rPr lang="en-US" smtClean="0"/>
-              <a:t>9/29/16</a:t>
+              <a:t>10/10/16</a:t>
             </a:fld>
             <a:endParaRPr lang="en-US"/>
           </a:p>
@@ -1344,7 +1344,7 @@
           <a:p>
             <a:fld id="{25B44C54-4950-F540-BCF8-BB0412F010FE}" type="datetime1">
               <a:rPr lang="en-US" smtClean="0"/>
-              <a:t>9/29/16</a:t>
+              <a:t>10/10/16</a:t>
             </a:fld>
             <a:endParaRPr lang="en-US"/>
           </a:p>
@@ -1466,7 +1466,7 @@
           <a:p>
             <a:fld id="{7C8F0B00-7EE7-854F-A6DD-64DEA61318AC}" type="datetime1">
               <a:rPr lang="en-US" smtClean="0"/>
-              <a:t>9/29/16</a:t>
+              <a:t>10/10/16</a:t>
             </a:fld>
             <a:endParaRPr lang="en-US"/>
           </a:p>
@@ -1565,7 +1565,7 @@
           <a:p>
             <a:fld id="{51BEAEDF-A397-A74B-AA5C-11179190D916}" type="datetime1">
               <a:rPr lang="en-US" smtClean="0"/>
-              <a:t>9/29/16</a:t>
+              <a:t>10/10/16</a:t>
             </a:fld>
             <a:endParaRPr lang="en-US"/>
           </a:p>
@@ -1811,7 +1811,7 @@
           <a:p>
             <a:fld id="{BDB49FFF-01C3-0C44-8427-1A4EA6AADC4E}" type="datetime1">
               <a:rPr lang="en-US" smtClean="0"/>
-              <a:t>9/29/16</a:t>
+              <a:t>10/10/16</a:t>
             </a:fld>
             <a:endParaRPr lang="en-US"/>
           </a:p>
@@ -2057,7 +2057,7 @@
           <a:p>
             <a:fld id="{E70583A7-60E2-6543-AE3F-1FEA7AA8F86B}" type="datetime1">
               <a:rPr lang="en-US" smtClean="0"/>
-              <a:t>9/29/16</a:t>
+              <a:t>10/10/16</a:t>
             </a:fld>
             <a:endParaRPr lang="en-US"/>
           </a:p>
@@ -2449,11 +2449,7 @@
           <a:p>
             <a:r>
               <a:rPr lang="en-US" smtClean="0"/>
-              <a:t>Chapter </a:t>
-            </a:r>
-            <a:r>
-              <a:rPr lang="en-US" smtClean="0"/>
-              <a:t>9</a:t>
+              <a:t>Chapter 9</a:t>
             </a:r>
             <a:endParaRPr lang="en-US" dirty="0"/>
           </a:p>
@@ -2596,7 +2592,7 @@
           <a:p>
             <a:fld id="{FB7A6D33-CB7B-6646-AF1E-FC208252E161}" type="datetime1">
               <a:rPr lang="en-US" smtClean="0"/>
-              <a:t>9/29/16</a:t>
+              <a:t>10/10/16</a:t>
             </a:fld>
             <a:endParaRPr lang="en-US"/>
           </a:p>
@@ -2803,7 +2799,7 @@
           <a:p>
             <a:fld id="{E86B7263-FD73-7844-B290-CA8639370395}" type="datetime1">
               <a:rPr lang="en-US" smtClean="0"/>
-              <a:t>9/29/16</a:t>
+              <a:t>10/10/16</a:t>
             </a:fld>
             <a:endParaRPr lang="en-US"/>
           </a:p>
@@ -2951,7 +2947,7 @@
         </p:blipFill>
         <p:spPr>
           <a:xfrm>
-            <a:off x="1642574" y="1332178"/>
+            <a:off x="1658340" y="1332178"/>
             <a:ext cx="5858851" cy="4525963"/>
           </a:xfrm>
         </p:spPr>
@@ -2973,7 +2969,7 @@
           <a:p>
             <a:fld id="{3E4D37E8-37DD-E34F-82FD-FC46296BE8B0}" type="datetime1">
               <a:rPr lang="en-US" smtClean="0"/>
-              <a:t>9/29/16</a:t>
+              <a:t>10/10/16</a:t>
             </a:fld>
             <a:endParaRPr lang="en-US"/>
           </a:p>
@@ -3035,6 +3031,13 @@
   <p:clrMapOvr>
     <a:masterClrMapping/>
   </p:clrMapOvr>
+  <p:timing>
+    <p:tnLst>
+      <p:par>
+        <p:cTn id="1" dur="indefinite" restart="never" nodeType="tmRoot"/>
+      </p:par>
+    </p:tnLst>
+  </p:timing>
 </p:sld>
 </file>
 
@@ -3124,7 +3127,7 @@
           <a:p>
             <a:fld id="{3E4D37E8-37DD-E34F-82FD-FC46296BE8B0}" type="datetime1">
               <a:rPr lang="en-US" smtClean="0"/>
-              <a:t>9/29/16</a:t>
+              <a:t>10/10/16</a:t>
             </a:fld>
             <a:endParaRPr lang="en-US"/>
           </a:p>
@@ -3186,6 +3189,13 @@
   <p:clrMapOvr>
     <a:masterClrMapping/>
   </p:clrMapOvr>
+  <p:timing>
+    <p:tnLst>
+      <p:par>
+        <p:cTn id="1" dur="indefinite" restart="never" nodeType="tmRoot"/>
+      </p:par>
+    </p:tnLst>
+  </p:timing>
 </p:sld>
 </file>
 
@@ -3275,7 +3285,7 @@
           <a:p>
             <a:fld id="{3E4D37E8-37DD-E34F-82FD-FC46296BE8B0}" type="datetime1">
               <a:rPr lang="en-US" smtClean="0"/>
-              <a:t>9/29/16</a:t>
+              <a:t>10/10/16</a:t>
             </a:fld>
             <a:endParaRPr lang="en-US"/>
           </a:p>
@@ -3337,6 +3347,13 @@
   <p:clrMapOvr>
     <a:masterClrMapping/>
   </p:clrMapOvr>
+  <p:timing>
+    <p:tnLst>
+      <p:par>
+        <p:cTn id="1" dur="indefinite" restart="never" nodeType="tmRoot"/>
+      </p:par>
+    </p:tnLst>
+  </p:timing>
 </p:sld>
 </file>
 
@@ -3430,7 +3447,7 @@
           <a:p>
             <a:fld id="{3E4D37E8-37DD-E34F-82FD-FC46296BE8B0}" type="datetime1">
               <a:rPr lang="en-US" smtClean="0"/>
-              <a:t>9/29/16</a:t>
+              <a:t>10/10/16</a:t>
             </a:fld>
             <a:endParaRPr lang="en-US"/>
           </a:p>
@@ -3581,7 +3598,7 @@
           <a:p>
             <a:fld id="{3E4D37E8-37DD-E34F-82FD-FC46296BE8B0}" type="datetime1">
               <a:rPr lang="en-US" smtClean="0"/>
-              <a:t>9/29/16</a:t>
+              <a:t>10/10/16</a:t>
             </a:fld>
             <a:endParaRPr lang="en-US"/>
           </a:p>
@@ -3757,7 +3774,7 @@
           <a:p>
             <a:fld id="{BEA770C3-548F-BD44-B4A9-F71D81DA9C67}" type="datetime1">
               <a:rPr lang="en-US" smtClean="0"/>
-              <a:t>9/29/16</a:t>
+              <a:t>10/10/16</a:t>
             </a:fld>
             <a:endParaRPr lang="en-US"/>
           </a:p>
@@ -3935,7 +3952,7 @@
           <a:p>
             <a:fld id="{0EDEA4BA-6800-AC44-A40C-AE810D881556}" type="datetime1">
               <a:rPr lang="en-US" smtClean="0"/>
-              <a:t>9/29/16</a:t>
+              <a:t>10/10/16</a:t>
             </a:fld>
             <a:endParaRPr lang="en-US"/>
           </a:p>
@@ -4118,7 +4135,7 @@
           <a:p>
             <a:fld id="{8DF626D7-1AE0-9149-A8FF-783C1D8FFE71}" type="datetime1">
               <a:rPr lang="en-US" smtClean="0"/>
-              <a:t>9/29/16</a:t>
+              <a:t>10/10/16</a:t>
             </a:fld>
             <a:endParaRPr lang="en-US"/>
           </a:p>
@@ -4323,7 +4340,7 @@
           <a:p>
             <a:fld id="{5EFF032C-1776-1B45-910E-4ACB3AC3E7E9}" type="datetime1">
               <a:rPr lang="en-US" smtClean="0"/>
-              <a:t>9/29/16</a:t>
+              <a:t>10/10/16</a:t>
             </a:fld>
             <a:endParaRPr lang="en-US"/>
           </a:p>
@@ -4519,7 +4536,7 @@
           <a:p>
             <a:fld id="{DEC1EB4E-420E-454D-9C6D-E709F2794153}" type="datetime1">
               <a:rPr lang="en-US" smtClean="0"/>
-              <a:t>9/29/16</a:t>
+              <a:t>10/10/16</a:t>
             </a:fld>
             <a:endParaRPr lang="en-US"/>
           </a:p>
@@ -4715,7 +4732,7 @@
           <a:p>
             <a:fld id="{82C1A84D-3904-D946-B5AE-29A493DF9AA9}" type="datetime1">
               <a:rPr lang="en-US" smtClean="0"/>
-              <a:t>9/29/16</a:t>
+              <a:t>10/10/16</a:t>
             </a:fld>
             <a:endParaRPr lang="en-US"/>
           </a:p>
@@ -4899,7 +4916,7 @@
           <a:p>
             <a:fld id="{37FDFEBB-CA70-F94D-B105-540D0891002F}" type="datetime1">
               <a:rPr lang="en-US" smtClean="0"/>
-              <a:t>9/29/16</a:t>
+              <a:t>10/10/16</a:t>
             </a:fld>
             <a:endParaRPr lang="en-US"/>
           </a:p>
@@ -5105,7 +5122,7 @@
           <a:p>
             <a:fld id="{3E4D37E8-37DD-E34F-82FD-FC46296BE8B0}" type="datetime1">
               <a:rPr lang="en-US" smtClean="0"/>
-              <a:t>9/29/16</a:t>
+              <a:t>10/10/16</a:t>
             </a:fld>
             <a:endParaRPr lang="en-US"/>
           </a:p>
@@ -5252,7 +5269,7 @@
           <a:p>
             <a:fld id="{3E4D37E8-37DD-E34F-82FD-FC46296BE8B0}" type="datetime1">
               <a:rPr lang="en-US" smtClean="0"/>
-              <a:t>9/29/16</a:t>
+              <a:t>10/10/16</a:t>
             </a:fld>
             <a:endParaRPr lang="en-US"/>
           </a:p>
@@ -5445,7 +5462,7 @@
           <a:p>
             <a:fld id="{3E4D37E8-37DD-E34F-82FD-FC46296BE8B0}" type="datetime1">
               <a:rPr lang="en-US" smtClean="0"/>
-              <a:t>9/29/16</a:t>
+              <a:t>10/10/16</a:t>
             </a:fld>
             <a:endParaRPr lang="en-US"/>
           </a:p>
@@ -5603,7 +5620,7 @@
           <a:p>
             <a:fld id="{3E4D37E8-37DD-E34F-82FD-FC46296BE8B0}" type="datetime1">
               <a:rPr lang="en-US" smtClean="0"/>
-              <a:t>9/29/16</a:t>
+              <a:t>10/10/16</a:t>
             </a:fld>
             <a:endParaRPr lang="en-US"/>
           </a:p>
@@ -5766,7 +5783,7 @@
           <a:p>
             <a:fld id="{3E4D37E8-37DD-E34F-82FD-FC46296BE8B0}" type="datetime1">
               <a:rPr lang="en-US" smtClean="0"/>
-              <a:t>9/29/16</a:t>
+              <a:t>10/10/16</a:t>
             </a:fld>
             <a:endParaRPr lang="en-US"/>
           </a:p>
@@ -5917,7 +5934,7 @@
           <a:p>
             <a:fld id="{3E4D37E8-37DD-E34F-82FD-FC46296BE8B0}" type="datetime1">
               <a:rPr lang="en-US" smtClean="0"/>
-              <a:t>9/29/16</a:t>
+              <a:t>10/10/16</a:t>
             </a:fld>
             <a:endParaRPr lang="en-US"/>
           </a:p>
@@ -6081,7 +6098,7 @@
           <a:p>
             <a:fld id="{9B267EC1-D1F7-AF41-91D6-9270DC3C7F18}" type="datetime1">
               <a:rPr lang="en-US" smtClean="0"/>
-              <a:t>9/29/16</a:t>
+              <a:t>10/10/16</a:t>
             </a:fld>
             <a:endParaRPr lang="en-US"/>
           </a:p>
@@ -6277,7 +6294,7 @@
           <a:p>
             <a:fld id="{713DA53F-AD83-084E-8A3A-87EBF54369D1}" type="datetime1">
               <a:rPr lang="en-US" smtClean="0"/>
-              <a:t>9/29/16</a:t>
+              <a:t>10/10/16</a:t>
             </a:fld>
             <a:endParaRPr lang="en-US"/>
           </a:p>
@@ -6463,7 +6480,7 @@
           <a:p>
             <a:fld id="{D3A8DE84-00D9-F642-B670-1604A8C0378A}" type="datetime1">
               <a:rPr lang="en-US" smtClean="0"/>
-              <a:t>9/29/16</a:t>
+              <a:t>10/10/16</a:t>
             </a:fld>
             <a:endParaRPr lang="en-US"/>
           </a:p>
@@ -6687,7 +6704,7 @@
           <a:p>
             <a:fld id="{FF1FC44E-B37E-C24F-BDE4-05E11D2A70A2}" type="datetime1">
               <a:rPr lang="en-US" smtClean="0"/>
-              <a:t>9/29/16</a:t>
+              <a:t>10/10/16</a:t>
             </a:fld>
             <a:endParaRPr lang="en-US"/>
           </a:p>
@@ -6863,7 +6880,7 @@
           <a:p>
             <a:fld id="{AB245AE0-C04E-E248-BB0C-54B4B37BDEC9}" type="datetime1">
               <a:rPr lang="en-US" smtClean="0"/>
-              <a:t>9/29/16</a:t>
+              <a:t>10/10/16</a:t>
             </a:fld>
             <a:endParaRPr lang="en-US"/>
           </a:p>
@@ -7049,7 +7066,7 @@
           <a:p>
             <a:fld id="{AC29681A-12D3-8846-B67C-560ED3502BFB}" type="datetime1">
               <a:rPr lang="en-US" smtClean="0"/>
-              <a:t>9/29/16</a:t>
+              <a:t>10/10/16</a:t>
             </a:fld>
             <a:endParaRPr lang="en-US"/>
           </a:p>
@@ -7279,7 +7296,7 @@
           <a:p>
             <a:fld id="{307A1582-6ABF-A54B-97CF-9173D460B272}" type="datetime1">
               <a:rPr lang="en-US" smtClean="0"/>
-              <a:t>9/29/16</a:t>
+              <a:t>10/10/16</a:t>
             </a:fld>
             <a:endParaRPr lang="en-US"/>
           </a:p>
